--- a/doc/slides.pptx
+++ b/doc/slides.pptx
@@ -9,10 +9,16 @@
     <p:sldId id="258" r:id="rId3"/>
     <p:sldId id="257" r:id="rId4"/>
     <p:sldId id="260" r:id="rId5"/>
-    <p:sldId id="261" r:id="rId6"/>
-    <p:sldId id="259" r:id="rId7"/>
-    <p:sldId id="262" r:id="rId8"/>
-    <p:sldId id="263" r:id="rId9"/>
+    <p:sldId id="266" r:id="rId6"/>
+    <p:sldId id="265" r:id="rId7"/>
+    <p:sldId id="261" r:id="rId8"/>
+    <p:sldId id="259" r:id="rId9"/>
+    <p:sldId id="269" r:id="rId10"/>
+    <p:sldId id="264" r:id="rId11"/>
+    <p:sldId id="271" r:id="rId12"/>
+    <p:sldId id="270" r:id="rId13"/>
+    <p:sldId id="272" r:id="rId14"/>
+    <p:sldId id="263" r:id="rId15"/>
   </p:sldIdLst>
   <p:sldSz cx="9144000" cy="6858000" type="screen4x3"/>
   <p:notesSz cx="6858000" cy="9144000"/>
@@ -3163,6 +3169,388 @@
 </p:sld>
 </file>
 
+<file path=ppt/slides/slide10.xml><?xml version="1.0" encoding="utf-8"?>
+<p:sld xmlns:a="http://schemas.openxmlformats.org/drawingml/2006/main" xmlns:r="http://schemas.openxmlformats.org/officeDocument/2006/relationships" xmlns:p="http://schemas.openxmlformats.org/presentationml/2006/main">
+  <p:cSld>
+    <p:spTree>
+      <p:nvGrpSpPr>
+        <p:cNvPr id="1" name=""/>
+        <p:cNvGrpSpPr/>
+        <p:nvPr/>
+      </p:nvGrpSpPr>
+      <p:grpSpPr>
+        <a:xfrm>
+          <a:off x="0" y="0"/>
+          <a:ext cx="0" cy="0"/>
+          <a:chOff x="0" y="0"/>
+          <a:chExt cx="0" cy="0"/>
+        </a:xfrm>
+      </p:grpSpPr>
+      <p:sp>
+        <p:nvSpPr>
+          <p:cNvPr id="2" name="Title 1"/>
+          <p:cNvSpPr>
+            <a:spLocks noGrp="1"/>
+          </p:cNvSpPr>
+          <p:nvPr>
+            <p:ph type="title"/>
+          </p:nvPr>
+        </p:nvSpPr>
+        <p:spPr/>
+        <p:txBody>
+          <a:bodyPr/>
+          <a:lstStyle/>
+          <a:p>
+            <a:r>
+              <a:rPr lang="en-US" dirty="0" smtClean="0"/>
+              <a:t>Comparison: House A</a:t>
+            </a:r>
+            <a:endParaRPr lang="en-US" dirty="0"/>
+          </a:p>
+        </p:txBody>
+      </p:sp>
+      <p:pic>
+        <p:nvPicPr>
+          <p:cNvPr id="6" name="Picture 5"/>
+          <p:cNvPicPr>
+            <a:picLocks noChangeAspect="1"/>
+          </p:cNvPicPr>
+          <p:nvPr/>
+        </p:nvPicPr>
+        <p:blipFill>
+          <a:blip r:embed="rId2"/>
+          <a:stretch>
+            <a:fillRect/>
+          </a:stretch>
+        </p:blipFill>
+        <p:spPr>
+          <a:xfrm>
+            <a:off x="1911684" y="1417638"/>
+            <a:ext cx="5454095" cy="4746847"/>
+          </a:xfrm>
+          <a:prstGeom prst="rect">
+            <a:avLst/>
+          </a:prstGeom>
+        </p:spPr>
+      </p:pic>
+    </p:spTree>
+    <p:extLst>
+      <p:ext uri="{BB962C8B-B14F-4D97-AF65-F5344CB8AC3E}">
+        <p14:creationId xmlns:p14="http://schemas.microsoft.com/office/powerpoint/2010/main" val="3351403392"/>
+      </p:ext>
+    </p:extLst>
+  </p:cSld>
+  <p:clrMapOvr>
+    <a:masterClrMapping/>
+  </p:clrMapOvr>
+  <p:timing>
+    <p:tnLst>
+      <p:par>
+        <p:cTn xmlns:p14="http://schemas.microsoft.com/office/powerpoint/2010/main" id="1" dur="indefinite" restart="never" nodeType="tmRoot"/>
+      </p:par>
+    </p:tnLst>
+  </p:timing>
+</p:sld>
+</file>
+
+<file path=ppt/slides/slide11.xml><?xml version="1.0" encoding="utf-8"?>
+<p:sld xmlns:a="http://schemas.openxmlformats.org/drawingml/2006/main" xmlns:r="http://schemas.openxmlformats.org/officeDocument/2006/relationships" xmlns:p="http://schemas.openxmlformats.org/presentationml/2006/main">
+  <p:cSld>
+    <p:spTree>
+      <p:nvGrpSpPr>
+        <p:cNvPr id="1" name=""/>
+        <p:cNvGrpSpPr/>
+        <p:nvPr/>
+      </p:nvGrpSpPr>
+      <p:grpSpPr>
+        <a:xfrm>
+          <a:off x="0" y="0"/>
+          <a:ext cx="0" cy="0"/>
+          <a:chOff x="0" y="0"/>
+          <a:chExt cx="0" cy="0"/>
+        </a:xfrm>
+      </p:grpSpPr>
+      <p:sp>
+        <p:nvSpPr>
+          <p:cNvPr id="2" name="Title 1"/>
+          <p:cNvSpPr>
+            <a:spLocks noGrp="1"/>
+          </p:cNvSpPr>
+          <p:nvPr>
+            <p:ph type="title"/>
+          </p:nvPr>
+        </p:nvSpPr>
+        <p:spPr/>
+        <p:txBody>
+          <a:bodyPr/>
+          <a:lstStyle/>
+          <a:p>
+            <a:r>
+              <a:rPr lang="en-US" dirty="0" smtClean="0"/>
+              <a:t>Comparison: House B</a:t>
+            </a:r>
+            <a:endParaRPr lang="en-US" dirty="0"/>
+          </a:p>
+        </p:txBody>
+      </p:sp>
+      <p:pic>
+        <p:nvPicPr>
+          <p:cNvPr id="4" name="Picture 3"/>
+          <p:cNvPicPr>
+            <a:picLocks noChangeAspect="1"/>
+          </p:cNvPicPr>
+          <p:nvPr/>
+        </p:nvPicPr>
+        <p:blipFill>
+          <a:blip r:embed="rId2"/>
+          <a:stretch>
+            <a:fillRect/>
+          </a:stretch>
+        </p:blipFill>
+        <p:spPr>
+          <a:xfrm>
+            <a:off x="1270000" y="1285237"/>
+            <a:ext cx="6272006" cy="5465816"/>
+          </a:xfrm>
+          <a:prstGeom prst="rect">
+            <a:avLst/>
+          </a:prstGeom>
+        </p:spPr>
+      </p:pic>
+    </p:spTree>
+    <p:extLst>
+      <p:ext uri="{BB962C8B-B14F-4D97-AF65-F5344CB8AC3E}">
+        <p14:creationId xmlns:p14="http://schemas.microsoft.com/office/powerpoint/2010/main" val="2157435974"/>
+      </p:ext>
+    </p:extLst>
+  </p:cSld>
+  <p:clrMapOvr>
+    <a:masterClrMapping/>
+  </p:clrMapOvr>
+</p:sld>
+</file>
+
+<file path=ppt/slides/slide12.xml><?xml version="1.0" encoding="utf-8"?>
+<p:sld xmlns:a="http://schemas.openxmlformats.org/drawingml/2006/main" xmlns:r="http://schemas.openxmlformats.org/officeDocument/2006/relationships" xmlns:p="http://schemas.openxmlformats.org/presentationml/2006/main">
+  <p:cSld>
+    <p:spTree>
+      <p:nvGrpSpPr>
+        <p:cNvPr id="1" name=""/>
+        <p:cNvGrpSpPr/>
+        <p:nvPr/>
+      </p:nvGrpSpPr>
+      <p:grpSpPr>
+        <a:xfrm>
+          <a:off x="0" y="0"/>
+          <a:ext cx="0" cy="0"/>
+          <a:chOff x="0" y="0"/>
+          <a:chExt cx="0" cy="0"/>
+        </a:xfrm>
+      </p:grpSpPr>
+      <p:sp>
+        <p:nvSpPr>
+          <p:cNvPr id="2" name="Title 1"/>
+          <p:cNvSpPr>
+            <a:spLocks noGrp="1"/>
+          </p:cNvSpPr>
+          <p:nvPr>
+            <p:ph type="title"/>
+          </p:nvPr>
+        </p:nvSpPr>
+        <p:spPr/>
+        <p:txBody>
+          <a:bodyPr/>
+          <a:lstStyle/>
+          <a:p>
+            <a:r>
+              <a:rPr lang="en-US" dirty="0" smtClean="0"/>
+              <a:t>Comparison: House C</a:t>
+            </a:r>
+            <a:endParaRPr lang="en-US" dirty="0"/>
+          </a:p>
+        </p:txBody>
+      </p:sp>
+      <p:pic>
+        <p:nvPicPr>
+          <p:cNvPr id="4" name="Picture 3"/>
+          <p:cNvPicPr>
+            <a:picLocks noChangeAspect="1"/>
+          </p:cNvPicPr>
+          <p:nvPr/>
+        </p:nvPicPr>
+        <p:blipFill>
+          <a:blip r:embed="rId2"/>
+          <a:stretch>
+            <a:fillRect/>
+          </a:stretch>
+        </p:blipFill>
+        <p:spPr>
+          <a:xfrm>
+            <a:off x="1350212" y="1250719"/>
+            <a:ext cx="6184196" cy="5339913"/>
+          </a:xfrm>
+          <a:prstGeom prst="rect">
+            <a:avLst/>
+          </a:prstGeom>
+        </p:spPr>
+      </p:pic>
+    </p:spTree>
+    <p:extLst>
+      <p:ext uri="{BB962C8B-B14F-4D97-AF65-F5344CB8AC3E}">
+        <p14:creationId xmlns:p14="http://schemas.microsoft.com/office/powerpoint/2010/main" val="9862675"/>
+      </p:ext>
+    </p:extLst>
+  </p:cSld>
+  <p:clrMapOvr>
+    <a:masterClrMapping/>
+  </p:clrMapOvr>
+</p:sld>
+</file>
+
+<file path=ppt/slides/slide13.xml><?xml version="1.0" encoding="utf-8"?>
+<p:sld xmlns:a="http://schemas.openxmlformats.org/drawingml/2006/main" xmlns:r="http://schemas.openxmlformats.org/officeDocument/2006/relationships" xmlns:p="http://schemas.openxmlformats.org/presentationml/2006/main">
+  <p:cSld>
+    <p:spTree>
+      <p:nvGrpSpPr>
+        <p:cNvPr id="1" name=""/>
+        <p:cNvGrpSpPr/>
+        <p:nvPr/>
+      </p:nvGrpSpPr>
+      <p:grpSpPr>
+        <a:xfrm>
+          <a:off x="0" y="0"/>
+          <a:ext cx="0" cy="0"/>
+          <a:chOff x="0" y="0"/>
+          <a:chExt cx="0" cy="0"/>
+        </a:xfrm>
+      </p:grpSpPr>
+      <p:sp>
+        <p:nvSpPr>
+          <p:cNvPr id="2" name="Title 1"/>
+          <p:cNvSpPr>
+            <a:spLocks noGrp="1"/>
+          </p:cNvSpPr>
+          <p:nvPr>
+            <p:ph type="title"/>
+          </p:nvPr>
+        </p:nvSpPr>
+        <p:spPr/>
+        <p:txBody>
+          <a:bodyPr/>
+          <a:lstStyle/>
+          <a:p>
+            <a:endParaRPr lang="en-US"/>
+          </a:p>
+        </p:txBody>
+      </p:sp>
+      <p:sp>
+        <p:nvSpPr>
+          <p:cNvPr id="3" name="Content Placeholder 2"/>
+          <p:cNvSpPr>
+            <a:spLocks noGrp="1"/>
+          </p:cNvSpPr>
+          <p:nvPr>
+            <p:ph idx="1"/>
+          </p:nvPr>
+        </p:nvSpPr>
+        <p:spPr/>
+        <p:txBody>
+          <a:bodyPr/>
+          <a:lstStyle/>
+          <a:p>
+            <a:endParaRPr lang="en-US" dirty="0"/>
+          </a:p>
+        </p:txBody>
+      </p:sp>
+    </p:spTree>
+    <p:extLst>
+      <p:ext uri="{BB962C8B-B14F-4D97-AF65-F5344CB8AC3E}">
+        <p14:creationId xmlns:p14="http://schemas.microsoft.com/office/powerpoint/2010/main" val="3123366703"/>
+      </p:ext>
+    </p:extLst>
+  </p:cSld>
+  <p:clrMapOvr>
+    <a:masterClrMapping/>
+  </p:clrMapOvr>
+</p:sld>
+</file>
+
+<file path=ppt/slides/slide14.xml><?xml version="1.0" encoding="utf-8"?>
+<p:sld xmlns:a="http://schemas.openxmlformats.org/drawingml/2006/main" xmlns:r="http://schemas.openxmlformats.org/officeDocument/2006/relationships" xmlns:p="http://schemas.openxmlformats.org/presentationml/2006/main">
+  <p:cSld>
+    <p:spTree>
+      <p:nvGrpSpPr>
+        <p:cNvPr id="1" name=""/>
+        <p:cNvGrpSpPr/>
+        <p:nvPr/>
+      </p:nvGrpSpPr>
+      <p:grpSpPr>
+        <a:xfrm>
+          <a:off x="0" y="0"/>
+          <a:ext cx="0" cy="0"/>
+          <a:chOff x="0" y="0"/>
+          <a:chExt cx="0" cy="0"/>
+        </a:xfrm>
+      </p:grpSpPr>
+      <p:sp>
+        <p:nvSpPr>
+          <p:cNvPr id="2" name="Title 1"/>
+          <p:cNvSpPr>
+            <a:spLocks noGrp="1"/>
+          </p:cNvSpPr>
+          <p:nvPr>
+            <p:ph type="title"/>
+          </p:nvPr>
+        </p:nvSpPr>
+        <p:spPr/>
+        <p:txBody>
+          <a:bodyPr/>
+          <a:lstStyle/>
+          <a:p>
+            <a:r>
+              <a:rPr lang="en-US" dirty="0" smtClean="0"/>
+              <a:t>Summary</a:t>
+            </a:r>
+            <a:endParaRPr lang="en-US" dirty="0"/>
+          </a:p>
+        </p:txBody>
+      </p:sp>
+      <p:sp>
+        <p:nvSpPr>
+          <p:cNvPr id="3" name="Content Placeholder 2"/>
+          <p:cNvSpPr>
+            <a:spLocks noGrp="1"/>
+          </p:cNvSpPr>
+          <p:nvPr>
+            <p:ph idx="1"/>
+          </p:nvPr>
+        </p:nvSpPr>
+        <p:spPr/>
+        <p:txBody>
+          <a:bodyPr/>
+          <a:lstStyle/>
+          <a:p>
+            <a:r>
+              <a:rPr lang="en-US" dirty="0" smtClean="0"/>
+              <a:t>Dominant class; </a:t>
+            </a:r>
+            <a:endParaRPr lang="en-US" dirty="0"/>
+          </a:p>
+        </p:txBody>
+      </p:sp>
+    </p:spTree>
+    <p:extLst>
+      <p:ext uri="{BB962C8B-B14F-4D97-AF65-F5344CB8AC3E}">
+        <p14:creationId xmlns:p14="http://schemas.microsoft.com/office/powerpoint/2010/main" val="1896122238"/>
+      </p:ext>
+    </p:extLst>
+  </p:cSld>
+  <p:clrMapOvr>
+    <a:masterClrMapping/>
+  </p:clrMapOvr>
+</p:sld>
+</file>
+
 <file path=ppt/slides/slide2.xml><?xml version="1.0" encoding="utf-8"?>
 <p:sld xmlns:a="http://schemas.openxmlformats.org/drawingml/2006/main" xmlns:r="http://schemas.openxmlformats.org/officeDocument/2006/relationships" xmlns:p="http://schemas.openxmlformats.org/presentationml/2006/main">
   <p:cSld>
@@ -3325,7 +3713,7 @@
           <a:p>
             <a:r>
               <a:rPr lang="en-US" dirty="0" smtClean="0"/>
-              <a:t>Recognizing human activities e.g. sleeping, cooking, bathing</a:t>
+              <a:t>Recognizing human activities e.g. home occupancy, sleeping, cooking, bathing</a:t>
             </a:r>
           </a:p>
           <a:p>
@@ -3335,13 +3723,176 @@
             <a:endParaRPr lang="en-US" dirty="0" smtClean="0"/>
           </a:p>
           <a:p>
-            <a:endParaRPr lang="en-US" dirty="0" smtClean="0"/>
-          </a:p>
-          <a:p>
             <a:endParaRPr lang="en-US" dirty="0"/>
           </a:p>
           <a:p>
             <a:endParaRPr lang="en-US" dirty="0"/>
+          </a:p>
+        </p:txBody>
+      </p:sp>
+      <p:pic>
+        <p:nvPicPr>
+          <p:cNvPr id="6" name="Picture 5"/>
+          <p:cNvPicPr>
+            <a:picLocks noChangeAspect="1"/>
+          </p:cNvPicPr>
+          <p:nvPr/>
+        </p:nvPicPr>
+        <p:blipFill>
+          <a:blip r:embed="rId2"/>
+          <a:stretch>
+            <a:fillRect/>
+          </a:stretch>
+        </p:blipFill>
+        <p:spPr>
+          <a:xfrm>
+            <a:off x="614948" y="2780228"/>
+            <a:ext cx="2956426" cy="2731571"/>
+          </a:xfrm>
+          <a:prstGeom prst="rect">
+            <a:avLst/>
+          </a:prstGeom>
+        </p:spPr>
+      </p:pic>
+      <p:pic>
+        <p:nvPicPr>
+          <p:cNvPr id="7" name="Picture 6"/>
+          <p:cNvPicPr>
+            <a:picLocks noChangeAspect="1"/>
+          </p:cNvPicPr>
+          <p:nvPr/>
+        </p:nvPicPr>
+        <p:blipFill>
+          <a:blip r:embed="rId3"/>
+          <a:stretch>
+            <a:fillRect/>
+          </a:stretch>
+        </p:blipFill>
+        <p:spPr>
+          <a:xfrm>
+            <a:off x="3047999" y="3330676"/>
+            <a:ext cx="3402263" cy="1756007"/>
+          </a:xfrm>
+          <a:prstGeom prst="rect">
+            <a:avLst/>
+          </a:prstGeom>
+        </p:spPr>
+      </p:pic>
+      <p:sp>
+        <p:nvSpPr>
+          <p:cNvPr id="8" name="TextBox 7"/>
+          <p:cNvSpPr txBox="1"/>
+          <p:nvPr/>
+        </p:nvSpPr>
+        <p:spPr>
+          <a:xfrm>
+            <a:off x="4491790" y="5327133"/>
+            <a:ext cx="516149" cy="369332"/>
+          </a:xfrm>
+          <a:prstGeom prst="rect">
+            <a:avLst/>
+          </a:prstGeom>
+          <a:noFill/>
+        </p:spPr>
+        <p:txBody>
+          <a:bodyPr wrap="none" rtlCol="0">
+            <a:spAutoFit/>
+          </a:bodyPr>
+          <a:lstStyle/>
+          <a:p>
+            <a:r>
+              <a:rPr lang="en-US" b="1" dirty="0" err="1" smtClean="0"/>
+              <a:t>Ulo</a:t>
+            </a:r>
+            <a:endParaRPr lang="en-US" b="1" dirty="0"/>
+          </a:p>
+        </p:txBody>
+      </p:sp>
+      <p:sp>
+        <p:nvSpPr>
+          <p:cNvPr id="9" name="TextBox 8"/>
+          <p:cNvSpPr txBox="1"/>
+          <p:nvPr/>
+        </p:nvSpPr>
+        <p:spPr>
+          <a:xfrm>
+            <a:off x="1752600" y="5327133"/>
+            <a:ext cx="620683" cy="369332"/>
+          </a:xfrm>
+          <a:prstGeom prst="rect">
+            <a:avLst/>
+          </a:prstGeom>
+          <a:noFill/>
+        </p:spPr>
+        <p:txBody>
+          <a:bodyPr wrap="none" rtlCol="0">
+            <a:spAutoFit/>
+          </a:bodyPr>
+          <a:lstStyle/>
+          <a:p>
+            <a:r>
+              <a:rPr lang="en-US" b="1" dirty="0" smtClean="0"/>
+              <a:t>Nest</a:t>
+            </a:r>
+            <a:endParaRPr lang="en-US" b="1" dirty="0"/>
+          </a:p>
+        </p:txBody>
+      </p:sp>
+      <p:pic>
+        <p:nvPicPr>
+          <p:cNvPr id="10" name="Picture 9"/>
+          <p:cNvPicPr>
+            <a:picLocks noChangeAspect="1"/>
+          </p:cNvPicPr>
+          <p:nvPr/>
+        </p:nvPicPr>
+        <p:blipFill>
+          <a:blip r:embed="rId4"/>
+          <a:stretch>
+            <a:fillRect/>
+          </a:stretch>
+        </p:blipFill>
+        <p:spPr>
+          <a:xfrm>
+            <a:off x="6131241" y="3106638"/>
+            <a:ext cx="2090335" cy="2090335"/>
+          </a:xfrm>
+          <a:prstGeom prst="rect">
+            <a:avLst/>
+          </a:prstGeom>
+        </p:spPr>
+      </p:pic>
+      <p:sp>
+        <p:nvSpPr>
+          <p:cNvPr id="11" name="TextBox 10"/>
+          <p:cNvSpPr txBox="1"/>
+          <p:nvPr/>
+        </p:nvSpPr>
+        <p:spPr>
+          <a:xfrm>
+            <a:off x="6127696" y="5327133"/>
+            <a:ext cx="2093880" cy="369332"/>
+          </a:xfrm>
+          <a:prstGeom prst="rect">
+            <a:avLst/>
+          </a:prstGeom>
+          <a:noFill/>
+        </p:spPr>
+        <p:txBody>
+          <a:bodyPr wrap="none" rtlCol="0">
+            <a:spAutoFit/>
+          </a:bodyPr>
+          <a:lstStyle/>
+          <a:p>
+            <a:r>
+              <a:rPr lang="en-US" b="1" dirty="0" err="1" smtClean="0"/>
+              <a:t>Belkin</a:t>
+            </a:r>
+            <a:r>
+              <a:rPr lang="en-US" b="1" dirty="0" smtClean="0"/>
+              <a:t> Smart Switch</a:t>
+            </a:r>
+            <a:endParaRPr lang="en-US" b="1" dirty="0"/>
           </a:p>
         </p:txBody>
       </p:sp>
@@ -3413,6 +3964,13 @@
           <a:bodyPr/>
           <a:lstStyle/>
           <a:p>
+            <a:r>
+              <a:rPr lang="en-US" dirty="0" smtClean="0"/>
+              <a:t>Recognize activities using sensor</a:t>
+            </a:r>
+          </a:p>
+          <a:p>
+            <a:pPr lvl="1"/>
             <a:endParaRPr lang="en-US" dirty="0"/>
           </a:p>
         </p:txBody>
@@ -3464,7 +4022,7 @@
           <a:p>
             <a:r>
               <a:rPr lang="en-US" dirty="0" smtClean="0"/>
-              <a:t>Related work</a:t>
+              <a:t>Evaluation</a:t>
             </a:r>
             <a:endParaRPr lang="en-US" dirty="0"/>
           </a:p>
@@ -3485,20 +4043,54 @@
           <a:bodyPr/>
           <a:lstStyle/>
           <a:p>
+            <a:pPr marL="0" indent="0">
+              <a:buNone/>
+            </a:pPr>
             <a:endParaRPr lang="en-US" dirty="0"/>
           </a:p>
         </p:txBody>
       </p:sp>
+      <p:pic>
+        <p:nvPicPr>
+          <p:cNvPr id="6" name="Picture 5"/>
+          <p:cNvPicPr>
+            <a:picLocks noChangeAspect="1"/>
+          </p:cNvPicPr>
+          <p:nvPr/>
+        </p:nvPicPr>
+        <p:blipFill>
+          <a:blip r:embed="rId2"/>
+          <a:stretch>
+            <a:fillRect/>
+          </a:stretch>
+        </p:blipFill>
+        <p:spPr>
+          <a:xfrm>
+            <a:off x="1965158" y="1216524"/>
+            <a:ext cx="4951476" cy="5483994"/>
+          </a:xfrm>
+          <a:prstGeom prst="rect">
+            <a:avLst/>
+          </a:prstGeom>
+        </p:spPr>
+      </p:pic>
     </p:spTree>
     <p:extLst>
       <p:ext uri="{BB962C8B-B14F-4D97-AF65-F5344CB8AC3E}">
-        <p14:creationId xmlns:p14="http://schemas.microsoft.com/office/powerpoint/2010/main" val="1029452873"/>
+        <p14:creationId xmlns:p14="http://schemas.microsoft.com/office/powerpoint/2010/main" val="4214514928"/>
       </p:ext>
     </p:extLst>
   </p:cSld>
   <p:clrMapOvr>
     <a:masterClrMapping/>
   </p:clrMapOvr>
+  <p:timing>
+    <p:tnLst>
+      <p:par>
+        <p:cTn xmlns:p14="http://schemas.microsoft.com/office/powerpoint/2010/main" id="1" dur="indefinite" restart="never" nodeType="tmRoot"/>
+      </p:par>
+    </p:tnLst>
+  </p:timing>
 </p:sld>
 </file>
 
@@ -3536,7 +4128,7 @@
           <a:p>
             <a:r>
               <a:rPr lang="en-US" dirty="0" smtClean="0"/>
-              <a:t>Experimental Design</a:t>
+              <a:t>Dataset</a:t>
             </a:r>
             <a:endParaRPr lang="en-US" dirty="0"/>
           </a:p>
@@ -3554,36 +4146,62 @@
         </p:nvSpPr>
         <p:spPr/>
         <p:txBody>
-          <a:bodyPr/>
+          <a:bodyPr>
+            <a:normAutofit lnSpcReduction="10000"/>
+          </a:bodyPr>
           <a:lstStyle/>
           <a:p>
             <a:r>
               <a:rPr lang="en-US" dirty="0" smtClean="0"/>
-              <a:t>Naïve Bayes</a:t>
-            </a:r>
-          </a:p>
-          <a:p>
+              <a:t>Binary sensor data: </a:t>
+            </a:r>
+          </a:p>
+          <a:p>
+            <a:pPr lvl="1"/>
             <a:r>
               <a:rPr lang="en-US" dirty="0" smtClean="0"/>
-              <a:t>SVM</a:t>
-            </a:r>
-          </a:p>
-          <a:p>
+              <a:t>Reed switches : doors or cupboards open or closed</a:t>
+            </a:r>
+          </a:p>
+          <a:p>
+            <a:pPr lvl="1"/>
             <a:r>
               <a:rPr lang="en-US" dirty="0" smtClean="0"/>
-              <a:t>HMM</a:t>
-            </a:r>
-          </a:p>
-          <a:p>
+              <a:t>Pressure mats : lying on bed or couch</a:t>
+            </a:r>
+          </a:p>
+          <a:p>
+            <a:pPr lvl="1"/>
             <a:r>
               <a:rPr lang="en-US" dirty="0" smtClean="0"/>
-              <a:t>CRF</a:t>
-            </a:r>
-          </a:p>
-          <a:p>
+              <a:t>Passive infrared: Detect motion in specific area</a:t>
+            </a:r>
+          </a:p>
+          <a:p>
+            <a:pPr lvl="1"/>
             <a:r>
               <a:rPr lang="en-US" dirty="0" smtClean="0"/>
-              <a:t>Structured SVM</a:t>
+              <a:t>Float sensors: toilet being flushed</a:t>
+            </a:r>
+          </a:p>
+          <a:p>
+            <a:r>
+              <a:rPr lang="en-US" dirty="0" smtClean="0"/>
+              <a:t>Labels: </a:t>
+            </a:r>
+          </a:p>
+          <a:p>
+            <a:pPr lvl="1"/>
+            <a:r>
+              <a:rPr lang="en-US" dirty="0" smtClean="0"/>
+              <a:t>Handwritten diary </a:t>
+            </a:r>
+          </a:p>
+          <a:p>
+            <a:pPr lvl="1"/>
+            <a:r>
+              <a:rPr lang="en-US" dirty="0" smtClean="0"/>
+              <a:t>Bluetooth diary</a:t>
             </a:r>
             <a:endParaRPr lang="en-US" dirty="0"/>
           </a:p>
@@ -3592,13 +4210,20 @@
     </p:spTree>
     <p:extLst>
       <p:ext uri="{BB962C8B-B14F-4D97-AF65-F5344CB8AC3E}">
-        <p14:creationId xmlns:p14="http://schemas.microsoft.com/office/powerpoint/2010/main" val="2092156894"/>
+        <p14:creationId xmlns:p14="http://schemas.microsoft.com/office/powerpoint/2010/main" val="4238431750"/>
       </p:ext>
     </p:extLst>
   </p:cSld>
   <p:clrMapOvr>
     <a:masterClrMapping/>
   </p:clrMapOvr>
+  <p:timing>
+    <p:tnLst>
+      <p:par>
+        <p:cTn xmlns:p14="http://schemas.microsoft.com/office/powerpoint/2010/main" id="1" dur="indefinite" restart="never" nodeType="tmRoot"/>
+      </p:par>
+    </p:tnLst>
+  </p:timing>
 </p:sld>
 </file>
 
@@ -3636,7 +4261,7 @@
           <a:p>
             <a:r>
               <a:rPr lang="en-US" dirty="0" smtClean="0"/>
-              <a:t>Evaluation</a:t>
+              <a:t>Related work</a:t>
             </a:r>
             <a:endParaRPr lang="en-US" dirty="0"/>
           </a:p>
@@ -3654,13 +4279,85 @@
         </p:nvSpPr>
         <p:spPr/>
         <p:txBody>
-          <a:bodyPr/>
-          <a:lstStyle/>
-          <a:p>
-            <a:r>
-              <a:rPr lang="en-US" dirty="0" smtClean="0"/>
-              <a:t>Dataset</a:t>
-            </a:r>
+          <a:bodyPr>
+            <a:normAutofit/>
+          </a:bodyPr>
+          <a:lstStyle/>
+          <a:p>
+            <a:r>
+              <a:rPr lang="en-US" sz="2000" dirty="0" smtClean="0"/>
+              <a:t>Van </a:t>
+            </a:r>
+            <a:r>
+              <a:rPr lang="en-US" sz="2000" dirty="0" err="1" smtClean="0"/>
+              <a:t>Kasteren</a:t>
+            </a:r>
+            <a:r>
+              <a:rPr lang="en-US" sz="2000" dirty="0" smtClean="0"/>
+              <a:t>, T. L. M., Gwenn </a:t>
+            </a:r>
+            <a:r>
+              <a:rPr lang="en-US" sz="2000" dirty="0" err="1" smtClean="0"/>
+              <a:t>Englebienne</a:t>
+            </a:r>
+            <a:r>
+              <a:rPr lang="en-US" sz="2000" dirty="0" smtClean="0"/>
+              <a:t>, and Ben JA </a:t>
+            </a:r>
+            <a:r>
+              <a:rPr lang="en-US" sz="2000" dirty="0" err="1" smtClean="0"/>
+              <a:t>Kröse</a:t>
+            </a:r>
+            <a:r>
+              <a:rPr lang="en-US" sz="2000" dirty="0" smtClean="0"/>
+              <a:t>. "Human activity recognition from wireless sensor network data: Benchmark and software." </a:t>
+            </a:r>
+            <a:r>
+              <a:rPr lang="en-US" sz="2000" i="1" dirty="0" smtClean="0"/>
+              <a:t>Activity recognition in pervasive intelligent environments</a:t>
+            </a:r>
+            <a:r>
+              <a:rPr lang="en-US" sz="2000" dirty="0" smtClean="0"/>
+              <a:t>. Atlantis Press, 2011. 165-186</a:t>
+            </a:r>
+          </a:p>
+          <a:p>
+            <a:pPr marL="0" indent="0">
+              <a:buNone/>
+            </a:pPr>
+            <a:endParaRPr lang="en-US" sz="2000" dirty="0" smtClean="0"/>
+          </a:p>
+          <a:p>
+            <a:r>
+              <a:rPr lang="en-US" sz="2000" dirty="0" smtClean="0"/>
+              <a:t>Tapia, Emmanuel </a:t>
+            </a:r>
+            <a:r>
+              <a:rPr lang="en-US" sz="2000" dirty="0" err="1" smtClean="0"/>
+              <a:t>Munguia</a:t>
+            </a:r>
+            <a:r>
+              <a:rPr lang="en-US" sz="2000" dirty="0" smtClean="0"/>
+              <a:t>, Stephen S. </a:t>
+            </a:r>
+            <a:r>
+              <a:rPr lang="en-US" sz="2000" dirty="0" err="1" smtClean="0"/>
+              <a:t>Intille</a:t>
+            </a:r>
+            <a:r>
+              <a:rPr lang="en-US" sz="2000" dirty="0" smtClean="0"/>
+              <a:t>, and Kent Larson. </a:t>
+            </a:r>
+            <a:r>
+              <a:rPr lang="en-US" sz="2000" i="1" dirty="0" smtClean="0"/>
+              <a:t>Activity recognition in the home using simple and ubiquitous sensors</a:t>
+            </a:r>
+            <a:r>
+              <a:rPr lang="en-US" sz="2000" dirty="0" smtClean="0"/>
+              <a:t>. Springer Berlin Heidelberg, 2004.</a:t>
+            </a:r>
+          </a:p>
+          <a:p>
             <a:endParaRPr lang="en-US" dirty="0"/>
           </a:p>
         </p:txBody>
@@ -3668,13 +4365,20 @@
     </p:spTree>
     <p:extLst>
       <p:ext uri="{BB962C8B-B14F-4D97-AF65-F5344CB8AC3E}">
-        <p14:creationId xmlns:p14="http://schemas.microsoft.com/office/powerpoint/2010/main" val="240959339"/>
+        <p14:creationId xmlns:p14="http://schemas.microsoft.com/office/powerpoint/2010/main" val="1029452873"/>
       </p:ext>
     </p:extLst>
   </p:cSld>
   <p:clrMapOvr>
     <a:masterClrMapping/>
   </p:clrMapOvr>
+  <p:timing>
+    <p:tnLst>
+      <p:par>
+        <p:cTn xmlns:p14="http://schemas.microsoft.com/office/powerpoint/2010/main" id="1" dur="indefinite" restart="never" nodeType="tmRoot"/>
+      </p:par>
+    </p:tnLst>
+  </p:timing>
 </p:sld>
 </file>
 
@@ -3712,7 +4416,7 @@
           <a:p>
             <a:r>
               <a:rPr lang="en-US" dirty="0" smtClean="0"/>
-              <a:t>Summary</a:t>
+              <a:t>Methods</a:t>
             </a:r>
             <a:endParaRPr lang="en-US" dirty="0"/>
           </a:p>
@@ -3733,14 +4437,165 @@
           <a:bodyPr/>
           <a:lstStyle/>
           <a:p>
-            <a:endParaRPr lang="en-US"/>
+            <a:r>
+              <a:rPr lang="en-US" dirty="0" smtClean="0"/>
+              <a:t>Naïve Bayes</a:t>
+            </a:r>
+          </a:p>
+          <a:p>
+            <a:r>
+              <a:rPr lang="en-US" dirty="0" smtClean="0"/>
+              <a:t>SVM</a:t>
+            </a:r>
+          </a:p>
+          <a:p>
+            <a:r>
+              <a:rPr lang="en-US" dirty="0" smtClean="0"/>
+              <a:t>HMM</a:t>
+            </a:r>
+          </a:p>
+          <a:p>
+            <a:r>
+              <a:rPr lang="en-US" dirty="0" smtClean="0"/>
+              <a:t>CRF</a:t>
+            </a:r>
+          </a:p>
+          <a:p>
+            <a:r>
+              <a:rPr lang="en-US" dirty="0" smtClean="0"/>
+              <a:t>Structured SVM</a:t>
+            </a:r>
+          </a:p>
+          <a:p>
+            <a:endParaRPr lang="en-US" dirty="0"/>
+          </a:p>
+          <a:p>
+            <a:endParaRPr lang="en-US" dirty="0"/>
           </a:p>
         </p:txBody>
       </p:sp>
     </p:spTree>
     <p:extLst>
       <p:ext uri="{BB962C8B-B14F-4D97-AF65-F5344CB8AC3E}">
-        <p14:creationId xmlns:p14="http://schemas.microsoft.com/office/powerpoint/2010/main" val="1896122238"/>
+        <p14:creationId xmlns:p14="http://schemas.microsoft.com/office/powerpoint/2010/main" val="2092156894"/>
+      </p:ext>
+    </p:extLst>
+  </p:cSld>
+  <p:clrMapOvr>
+    <a:masterClrMapping/>
+  </p:clrMapOvr>
+  <p:timing>
+    <p:tnLst>
+      <p:par>
+        <p:cTn xmlns:p14="http://schemas.microsoft.com/office/powerpoint/2010/main" id="1" dur="indefinite" restart="never" nodeType="tmRoot"/>
+      </p:par>
+    </p:tnLst>
+  </p:timing>
+</p:sld>
+</file>
+
+<file path=ppt/slides/slide9.xml><?xml version="1.0" encoding="utf-8"?>
+<p:sld xmlns:a="http://schemas.openxmlformats.org/drawingml/2006/main" xmlns:r="http://schemas.openxmlformats.org/officeDocument/2006/relationships" xmlns:p="http://schemas.openxmlformats.org/presentationml/2006/main">
+  <p:cSld>
+    <p:spTree>
+      <p:nvGrpSpPr>
+        <p:cNvPr id="1" name=""/>
+        <p:cNvGrpSpPr/>
+        <p:nvPr/>
+      </p:nvGrpSpPr>
+      <p:grpSpPr>
+        <a:xfrm>
+          <a:off x="0" y="0"/>
+          <a:ext cx="0" cy="0"/>
+          <a:chOff x="0" y="0"/>
+          <a:chExt cx="0" cy="0"/>
+        </a:xfrm>
+      </p:grpSpPr>
+      <p:sp>
+        <p:nvSpPr>
+          <p:cNvPr id="2" name="Title 1"/>
+          <p:cNvSpPr>
+            <a:spLocks noGrp="1"/>
+          </p:cNvSpPr>
+          <p:nvPr>
+            <p:ph type="title"/>
+          </p:nvPr>
+        </p:nvSpPr>
+        <p:spPr/>
+        <p:txBody>
+          <a:bodyPr/>
+          <a:lstStyle/>
+          <a:p>
+            <a:r>
+              <a:rPr lang="en-US" dirty="0" smtClean="0"/>
+              <a:t>Evaluation Design</a:t>
+            </a:r>
+            <a:endParaRPr lang="en-US" dirty="0"/>
+          </a:p>
+        </p:txBody>
+      </p:sp>
+      <p:sp>
+        <p:nvSpPr>
+          <p:cNvPr id="3" name="Content Placeholder 2"/>
+          <p:cNvSpPr>
+            <a:spLocks noGrp="1"/>
+          </p:cNvSpPr>
+          <p:nvPr>
+            <p:ph idx="1"/>
+          </p:nvPr>
+        </p:nvSpPr>
+        <p:spPr/>
+        <p:txBody>
+          <a:bodyPr/>
+          <a:lstStyle/>
+          <a:p>
+            <a:r>
+              <a:rPr lang="en-US" dirty="0" smtClean="0"/>
+              <a:t>Feature representations</a:t>
+            </a:r>
+          </a:p>
+          <a:p>
+            <a:pPr lvl="1"/>
+            <a:r>
+              <a:rPr lang="en-US" dirty="0" smtClean="0"/>
+              <a:t>Raw</a:t>
+            </a:r>
+          </a:p>
+          <a:p>
+            <a:pPr lvl="1"/>
+            <a:r>
+              <a:rPr lang="en-US" dirty="0" smtClean="0"/>
+              <a:t>Change</a:t>
+            </a:r>
+          </a:p>
+          <a:p>
+            <a:pPr lvl="1"/>
+            <a:r>
+              <a:rPr lang="en-US" dirty="0" smtClean="0"/>
+              <a:t>Last</a:t>
+            </a:r>
+          </a:p>
+          <a:p>
+            <a:r>
+              <a:rPr lang="en-US" dirty="0" smtClean="0"/>
+              <a:t>5 fold – cross validation</a:t>
+            </a:r>
+          </a:p>
+          <a:p>
+            <a:r>
+              <a:rPr lang="en-US" dirty="0" smtClean="0"/>
+              <a:t>Divide the dataset into smaller subsequences of ~2 hours </a:t>
+            </a:r>
+          </a:p>
+          <a:p>
+            <a:endParaRPr lang="en-US" dirty="0" smtClean="0"/>
+          </a:p>
+        </p:txBody>
+      </p:sp>
+    </p:spTree>
+    <p:extLst>
+      <p:ext uri="{BB962C8B-B14F-4D97-AF65-F5344CB8AC3E}">
+        <p14:creationId xmlns:p14="http://schemas.microsoft.com/office/powerpoint/2010/main" val="3361322284"/>
       </p:ext>
     </p:extLst>
   </p:cSld>

--- a/doc/slides.pptx
+++ b/doc/slides.pptx
@@ -2479,7 +2479,7 @@
                 <a:spcPct val="100000"/>
               </a:lnSpc>
             </a:pPr>
-            <a:fld id="{DB71029F-D6E9-4EE6-8BD9-98F10AA6A97C}" type="slidenum">
+            <a:fld id="{E32BA14F-6720-4B34-B880-1DB846EC1B85}" type="slidenum">
               <a:rPr lang="en-US" sz="1200">
                 <a:solidFill>
                   <a:srgbClr val="8b8b8b"/>
@@ -3010,7 +3010,7 @@
                 <a:spcPct val="100000"/>
               </a:lnSpc>
             </a:pPr>
-            <a:fld id="{91B67C7B-2E22-4B4B-87C8-A77E1422E908}" type="slidenum">
+            <a:fld id="{E877CA42-B1DA-4F99-8AA6-FE333BBA734B}" type="slidenum">
               <a:rPr lang="en-US" sz="1200">
                 <a:solidFill>
                   <a:srgbClr val="8b8b8b"/>
@@ -3244,6 +3244,33 @@
       </p:pic>
     </p:spTree>
   </p:cSld>
+  <p:timing>
+    <p:tnLst>
+      <p:par>
+        <p:cTn id="19" dur="indefinite" restart="never" nodeType="tmRoot">
+          <p:childTnLst>
+            <p:seq>
+              <p:cTn id="20" nodeType="mainSeq"/>
+              <p:prevCondLst>
+                <p:cond delay="0" evt="onPrev">
+                  <p:tgtEl>
+                    <p:sldTgt/>
+                  </p:tgtEl>
+                </p:cond>
+              </p:prevCondLst>
+              <p:nextCondLst>
+                <p:cond delay="0" evt="onNext">
+                  <p:tgtEl>
+                    <p:sldTgt/>
+                  </p:tgtEl>
+                </p:cond>
+              </p:nextCondLst>
+            </p:seq>
+          </p:childTnLst>
+        </p:cTn>
+      </p:par>
+    </p:tnLst>
+  </p:timing>
 </p:sld>
 </file>
 
@@ -3282,19 +3309,12 @@
         <p:txBody>
           <a:bodyPr anchor="ctr"/>
           <a:p>
-            <a:pPr algn="ctr">
-              <a:lnSpc>
-                <a:spcPct val="100000"/>
-              </a:lnSpc>
-            </a:pPr>
+            <a:pPr algn="ctr"/>
             <a:r>
               <a:rPr lang="en-US" sz="4400">
-                <a:solidFill>
-                  <a:srgbClr val="000000"/>
-                </a:solidFill>
-                <a:latin typeface="Calibri"/>
-              </a:rPr>
-              <a:t>Comparison: House B</a:t>
+                <a:latin typeface="Calibri"/>
+              </a:rPr>
+              <a:t>House A Metrics</a:t>
             </a:r>
             <a:endParaRPr/>
           </a:p>
@@ -3302,7 +3322,7 @@
       </p:sp>
       <p:pic>
         <p:nvPicPr>
-          <p:cNvPr id="112" name="Picture 3" descr=""/>
+          <p:cNvPr id="112" name="" descr=""/>
           <p:cNvPicPr/>
           <p:nvPr/>
         </p:nvPicPr>
@@ -3314,8 +3334,8 @@
         </p:blipFill>
         <p:spPr>
           <a:xfrm>
-            <a:off x="1270080" y="1285200"/>
-            <a:ext cx="6271560" cy="5465520"/>
+            <a:off x="1588320" y="1508400"/>
+            <a:ext cx="6184080" cy="5075280"/>
           </a:xfrm>
           <a:prstGeom prst="rect">
             <a:avLst/>
@@ -3327,6 +3347,33 @@
       </p:pic>
     </p:spTree>
   </p:cSld>
+  <p:timing>
+    <p:tnLst>
+      <p:par>
+        <p:cTn id="21" dur="indefinite" restart="never" nodeType="tmRoot">
+          <p:childTnLst>
+            <p:seq>
+              <p:cTn id="22" nodeType="mainSeq"/>
+              <p:prevCondLst>
+                <p:cond delay="0" evt="onPrev">
+                  <p:tgtEl>
+                    <p:sldTgt/>
+                  </p:tgtEl>
+                </p:cond>
+              </p:prevCondLst>
+              <p:nextCondLst>
+                <p:cond delay="0" evt="onNext">
+                  <p:tgtEl>
+                    <p:sldTgt/>
+                  </p:tgtEl>
+                </p:cond>
+              </p:nextCondLst>
+            </p:seq>
+          </p:childTnLst>
+        </p:cTn>
+      </p:par>
+    </p:tnLst>
+  </p:timing>
 </p:sld>
 </file>
 
@@ -3377,7 +3424,7 @@
                 </a:solidFill>
                 <a:latin typeface="Calibri"/>
               </a:rPr>
-              <a:t>Comparison: House C</a:t>
+              <a:t>Comparison: House B</a:t>
             </a:r>
             <a:endParaRPr/>
           </a:p>
@@ -3397,8 +3444,8 @@
         </p:blipFill>
         <p:spPr>
           <a:xfrm>
-            <a:off x="1350360" y="1250640"/>
-            <a:ext cx="6183720" cy="5339520"/>
+            <a:off x="1270080" y="1285200"/>
+            <a:ext cx="6271560" cy="5465520"/>
           </a:xfrm>
           <a:prstGeom prst="rect">
             <a:avLst/>
@@ -3410,6 +3457,33 @@
       </p:pic>
     </p:spTree>
   </p:cSld>
+  <p:timing>
+    <p:tnLst>
+      <p:par>
+        <p:cTn id="23" dur="indefinite" restart="never" nodeType="tmRoot">
+          <p:childTnLst>
+            <p:seq>
+              <p:cTn id="24" nodeType="mainSeq"/>
+              <p:prevCondLst>
+                <p:cond delay="0" evt="onPrev">
+                  <p:tgtEl>
+                    <p:sldTgt/>
+                  </p:tgtEl>
+                </p:cond>
+              </p:prevCondLst>
+              <p:nextCondLst>
+                <p:cond delay="0" evt="onNext">
+                  <p:tgtEl>
+                    <p:sldTgt/>
+                  </p:tgtEl>
+                </p:cond>
+              </p:nextCondLst>
+            </p:seq>
+          </p:childTnLst>
+        </p:cTn>
+      </p:par>
+    </p:tnLst>
+  </p:timing>
 </p:sld>
 </file>
 
@@ -3448,34 +3522,78 @@
         <p:txBody>
           <a:bodyPr anchor="ctr"/>
           <a:p>
-            <a:endParaRPr/>
-          </a:p>
-        </p:txBody>
-      </p:sp>
-      <p:sp>
-        <p:nvSpPr>
-          <p:cNvPr id="116" name="TextShape 2"/>
-          <p:cNvSpPr txBox="1"/>
+            <a:pPr algn="ctr">
+              <a:lnSpc>
+                <a:spcPct val="100000"/>
+              </a:lnSpc>
+            </a:pPr>
+            <a:r>
+              <a:rPr lang="en-US" sz="4400">
+                <a:solidFill>
+                  <a:srgbClr val="000000"/>
+                </a:solidFill>
+                <a:latin typeface="Calibri"/>
+              </a:rPr>
+              <a:t>Comparison: House C</a:t>
+            </a:r>
+            <a:endParaRPr/>
+          </a:p>
+        </p:txBody>
+      </p:sp>
+      <p:pic>
+        <p:nvPicPr>
+          <p:cNvPr id="116" name="Picture 3" descr=""/>
+          <p:cNvPicPr/>
           <p:nvPr/>
-        </p:nvSpPr>
-        <p:spPr>
-          <a:xfrm>
-            <a:off x="457200" y="1600200"/>
-            <a:ext cx="8229240" cy="4525560"/>
-          </a:xfrm>
-          <a:prstGeom prst="rect">
-            <a:avLst/>
-          </a:prstGeom>
-        </p:spPr>
-        <p:txBody>
-          <a:bodyPr/>
-          <a:p>
-            <a:endParaRPr/>
-          </a:p>
-        </p:txBody>
-      </p:sp>
+        </p:nvPicPr>
+        <p:blipFill>
+          <a:blip r:embed="rId1"/>
+          <a:stretch>
+            <a:fillRect/>
+          </a:stretch>
+        </p:blipFill>
+        <p:spPr>
+          <a:xfrm>
+            <a:off x="1350360" y="1250640"/>
+            <a:ext cx="6183720" cy="5339520"/>
+          </a:xfrm>
+          <a:prstGeom prst="rect">
+            <a:avLst/>
+          </a:prstGeom>
+          <a:ln>
+            <a:noFill/>
+          </a:ln>
+        </p:spPr>
+      </p:pic>
     </p:spTree>
   </p:cSld>
+  <p:timing>
+    <p:tnLst>
+      <p:par>
+        <p:cTn id="25" dur="indefinite" restart="never" nodeType="tmRoot">
+          <p:childTnLst>
+            <p:seq>
+              <p:cTn id="26" nodeType="mainSeq"/>
+              <p:prevCondLst>
+                <p:cond delay="0" evt="onPrev">
+                  <p:tgtEl>
+                    <p:sldTgt/>
+                  </p:tgtEl>
+                </p:cond>
+              </p:prevCondLst>
+              <p:nextCondLst>
+                <p:cond delay="0" evt="onNext">
+                  <p:tgtEl>
+                    <p:sldTgt/>
+                  </p:tgtEl>
+                </p:cond>
+              </p:nextCondLst>
+            </p:seq>
+          </p:childTnLst>
+        </p:cTn>
+      </p:par>
+    </p:tnLst>
+  </p:timing>
 </p:sld>
 </file>
 
@@ -3564,14 +3682,70 @@
                 </a:solidFill>
                 <a:latin typeface="Calibri"/>
               </a:rPr>
-              <a:t>Dominant class; </a:t>
-            </a:r>
+              <a:t>Naive Bayes consistently outperforms other methods</a:t>
+            </a:r>
+            <a:endParaRPr/>
+          </a:p>
+          <a:p>
+            <a:pPr>
+              <a:lnSpc>
+                <a:spcPct val="100000"/>
+              </a:lnSpc>
+              <a:buFont typeface="Arial"/>
+              <a:buChar char="•"/>
+            </a:pPr>
+            <a:r>
+              <a:rPr lang="en-US" sz="3200">
+                <a:solidFill>
+                  <a:srgbClr val="000000"/>
+                </a:solidFill>
+                <a:latin typeface="Calibri"/>
+              </a:rPr>
+              <a:t>Structured SVM also performs well in sensors based activity recognition.</a:t>
+            </a:r>
+            <a:endParaRPr/>
+          </a:p>
+          <a:p>
+            <a:pPr>
+              <a:lnSpc>
+                <a:spcPct val="100000"/>
+              </a:lnSpc>
+              <a:buFont typeface="Arial"/>
+              <a:buChar char="•"/>
+            </a:pPr>
             <a:endParaRPr/>
           </a:p>
         </p:txBody>
       </p:sp>
     </p:spTree>
   </p:cSld>
+  <p:timing>
+    <p:tnLst>
+      <p:par>
+        <p:cTn id="27" dur="indefinite" restart="never" nodeType="tmRoot">
+          <p:childTnLst>
+            <p:seq>
+              <p:cTn id="28" nodeType="mainSeq"/>
+              <p:prevCondLst>
+                <p:cond delay="0" evt="onPrev">
+                  <p:tgtEl>
+                    <p:sldTgt/>
+                  </p:tgtEl>
+                </p:cond>
+              </p:prevCondLst>
+              <p:nextCondLst>
+                <p:cond delay="0" evt="onNext">
+                  <p:tgtEl>
+                    <p:sldTgt/>
+                  </p:tgtEl>
+                </p:cond>
+              </p:nextCondLst>
+            </p:seq>
+          </p:childTnLst>
+        </p:cTn>
+      </p:par>
+    </p:tnLst>
+  </p:timing>
 </p:sld>
 </file>
 
@@ -5087,6 +5261,23 @@
             <a:endParaRPr/>
           </a:p>
           <a:p>
+            <a:pPr lvl="1">
+              <a:buSzPct val="75000"/>
+              <a:buFont typeface="StarSymbol"/>
+              <a:buChar char=""/>
+            </a:pPr>
+            <a:r>
+              <a:rPr lang="en-US" sz="3200">
+                <a:solidFill>
+                  <a:srgbClr val="000000"/>
+                </a:solidFill>
+                <a:latin typeface="Calibri"/>
+              </a:rPr>
+              <a:t>Generative probabilistic model</a:t>
+            </a:r>
+            <a:endParaRPr/>
+          </a:p>
+          <a:p>
             <a:pPr>
               <a:lnSpc>
                 <a:spcPct val="100000"/>
@@ -5106,6 +5297,23 @@
             <a:endParaRPr/>
           </a:p>
           <a:p>
+            <a:pPr lvl="1">
+              <a:buSzPct val="75000"/>
+              <a:buFont typeface="StarSymbol"/>
+              <a:buChar char=""/>
+            </a:pPr>
+            <a:r>
+              <a:rPr lang="en-US" sz="3200">
+                <a:solidFill>
+                  <a:srgbClr val="000000"/>
+                </a:solidFill>
+                <a:latin typeface="Calibri"/>
+              </a:rPr>
+              <a:t>Discriminative probabilistic model</a:t>
+            </a:r>
+            <a:endParaRPr/>
+          </a:p>
+          <a:p>
             <a:pPr>
               <a:lnSpc>
                 <a:spcPct val="100000"/>
@@ -5125,6 +5333,23 @@
             <a:endParaRPr/>
           </a:p>
           <a:p>
+            <a:pPr lvl="1">
+              <a:buSzPct val="75000"/>
+              <a:buFont typeface="StarSymbol"/>
+              <a:buChar char=""/>
+            </a:pPr>
+            <a:r>
+              <a:rPr lang="en-US" sz="3200">
+                <a:solidFill>
+                  <a:srgbClr val="000000"/>
+                </a:solidFill>
+                <a:latin typeface="Calibri"/>
+              </a:rPr>
+              <a:t>Allows training of a classifier for general structured output labels</a:t>
+            </a:r>
+            <a:endParaRPr/>
+          </a:p>
+          <a:p>
             <a:pPr>
               <a:lnSpc>
                 <a:spcPct val="100000"/>
@@ -5144,6 +5369,33 @@
       </p:sp>
     </p:spTree>
   </p:cSld>
+  <p:timing>
+    <p:tnLst>
+      <p:par>
+        <p:cTn id="15" dur="indefinite" restart="never" nodeType="tmRoot">
+          <p:childTnLst>
+            <p:seq>
+              <p:cTn id="16" nodeType="mainSeq"/>
+              <p:prevCondLst>
+                <p:cond delay="0" evt="onPrev">
+                  <p:tgtEl>
+                    <p:sldTgt/>
+                  </p:tgtEl>
+                </p:cond>
+              </p:prevCondLst>
+              <p:nextCondLst>
+                <p:cond delay="0" evt="onNext">
+                  <p:tgtEl>
+                    <p:sldTgt/>
+                  </p:tgtEl>
+                </p:cond>
+              </p:nextCondLst>
+            </p:seq>
+          </p:childTnLst>
+        </p:cTn>
+      </p:par>
+    </p:tnLst>
+  </p:timing>
 </p:sld>
 </file>
 
@@ -5343,6 +5595,33 @@
       </p:sp>
     </p:spTree>
   </p:cSld>
+  <p:timing>
+    <p:tnLst>
+      <p:par>
+        <p:cTn id="17" dur="indefinite" restart="never" nodeType="tmRoot">
+          <p:childTnLst>
+            <p:seq>
+              <p:cTn id="18" nodeType="mainSeq"/>
+              <p:prevCondLst>
+                <p:cond delay="0" evt="onPrev">
+                  <p:tgtEl>
+                    <p:sldTgt/>
+                  </p:tgtEl>
+                </p:cond>
+              </p:prevCondLst>
+              <p:nextCondLst>
+                <p:cond delay="0" evt="onNext">
+                  <p:tgtEl>
+                    <p:sldTgt/>
+                  </p:tgtEl>
+                </p:cond>
+              </p:nextCondLst>
+            </p:seq>
+          </p:childTnLst>
+        </p:cTn>
+      </p:par>
+    </p:tnLst>
+  </p:timing>
 </p:sld>
 </file>
 

--- a/doc/slides.pptx
+++ b/doc/slides.pptx
@@ -2479,7 +2479,7 @@
                 <a:spcPct val="100000"/>
               </a:lnSpc>
             </a:pPr>
-            <a:fld id="{E32BA14F-6720-4B34-B880-1DB846EC1B85}" type="slidenum">
+            <a:fld id="{FECDA7DC-E092-43F4-9BC1-8E16ED9EE9EB}" type="slidenum">
               <a:rPr lang="en-US" sz="1200">
                 <a:solidFill>
                   <a:srgbClr val="8b8b8b"/>
@@ -3010,7 +3010,7 @@
                 <a:spcPct val="100000"/>
               </a:lnSpc>
             </a:pPr>
-            <a:fld id="{E877CA42-B1DA-4F99-8AA6-FE333BBA734B}" type="slidenum">
+            <a:fld id="{B671858C-B696-4FBB-BAA5-DC7E2F1756BC}" type="slidenum">
               <a:rPr lang="en-US" sz="1200">
                 <a:solidFill>
                   <a:srgbClr val="8b8b8b"/>
@@ -3183,7 +3183,7 @@
       </p:grpSpPr>
       <p:sp>
         <p:nvSpPr>
-          <p:cNvPr id="109" name="TextShape 1"/>
+          <p:cNvPr id="110" name="TextShape 1"/>
           <p:cNvSpPr txBox="1"/>
           <p:nvPr/>
         </p:nvSpPr>
@@ -3219,7 +3219,7 @@
       </p:sp>
       <p:pic>
         <p:nvPicPr>
-          <p:cNvPr id="110" name="Picture 5" descr=""/>
+          <p:cNvPr id="111" name="Picture 5" descr=""/>
           <p:cNvPicPr/>
           <p:nvPr/>
         </p:nvPicPr>
@@ -3293,7 +3293,7 @@
       </p:grpSpPr>
       <p:sp>
         <p:nvSpPr>
-          <p:cNvPr id="111" name="TextShape 1"/>
+          <p:cNvPr id="112" name="TextShape 1"/>
           <p:cNvSpPr txBox="1"/>
           <p:nvPr/>
         </p:nvSpPr>
@@ -3322,7 +3322,7 @@
       </p:sp>
       <p:pic>
         <p:nvPicPr>
-          <p:cNvPr id="112" name="" descr=""/>
+          <p:cNvPr id="113" name="" descr=""/>
           <p:cNvPicPr/>
           <p:nvPr/>
         </p:nvPicPr>
@@ -3396,7 +3396,7 @@
       </p:grpSpPr>
       <p:sp>
         <p:nvSpPr>
-          <p:cNvPr id="113" name="TextShape 1"/>
+          <p:cNvPr id="114" name="TextShape 1"/>
           <p:cNvSpPr txBox="1"/>
           <p:nvPr/>
         </p:nvSpPr>
@@ -3432,7 +3432,7 @@
       </p:sp>
       <p:pic>
         <p:nvPicPr>
-          <p:cNvPr id="114" name="Picture 3" descr=""/>
+          <p:cNvPr id="115" name="Picture 3" descr=""/>
           <p:cNvPicPr/>
           <p:nvPr/>
         </p:nvPicPr>
@@ -3506,7 +3506,7 @@
       </p:grpSpPr>
       <p:sp>
         <p:nvSpPr>
-          <p:cNvPr id="115" name="TextShape 1"/>
+          <p:cNvPr id="116" name="TextShape 1"/>
           <p:cNvSpPr txBox="1"/>
           <p:nvPr/>
         </p:nvSpPr>
@@ -3542,7 +3542,7 @@
       </p:sp>
       <p:pic>
         <p:nvPicPr>
-          <p:cNvPr id="116" name="Picture 3" descr=""/>
+          <p:cNvPr id="117" name="Picture 3" descr=""/>
           <p:cNvPicPr/>
           <p:nvPr/>
         </p:nvPicPr>
@@ -3616,7 +3616,7 @@
       </p:grpSpPr>
       <p:sp>
         <p:nvSpPr>
-          <p:cNvPr id="117" name="TextShape 1"/>
+          <p:cNvPr id="118" name="TextShape 1"/>
           <p:cNvSpPr txBox="1"/>
           <p:nvPr/>
         </p:nvSpPr>
@@ -3652,7 +3652,7 @@
       </p:sp>
       <p:sp>
         <p:nvSpPr>
-          <p:cNvPr id="118" name="TextShape 2"/>
+          <p:cNvPr id="119" name="TextShape 2"/>
           <p:cNvSpPr txBox="1"/>
           <p:nvPr/>
         </p:nvSpPr>
@@ -5593,6 +5593,31 @@
           </a:p>
         </p:txBody>
       </p:sp>
+      <p:pic>
+        <p:nvPicPr>
+          <p:cNvPr id="109" name="" descr=""/>
+          <p:cNvPicPr/>
+          <p:nvPr/>
+        </p:nvPicPr>
+        <p:blipFill>
+          <a:blip r:embed="rId1"/>
+          <a:stretch>
+            <a:fillRect/>
+          </a:stretch>
+        </p:blipFill>
+        <p:spPr>
+          <a:xfrm>
+            <a:off x="5852160" y="2103120"/>
+            <a:ext cx="2286000" cy="1645920"/>
+          </a:xfrm>
+          <a:prstGeom prst="rect">
+            <a:avLst/>
+          </a:prstGeom>
+          <a:ln>
+            <a:noFill/>
+          </a:ln>
+        </p:spPr>
+      </p:pic>
     </p:spTree>
   </p:cSld>
   <p:timing>

--- a/doc/slides.pptx
+++ b/doc/slides.pptx
@@ -19,7 +19,6 @@
     <p:sldId id="266" r:id="rId14"/>
     <p:sldId id="267" r:id="rId15"/>
     <p:sldId id="268" r:id="rId16"/>
-    <p:sldId id="269" r:id="rId17"/>
   </p:sldIdLst>
   <p:sldSz cx="9144000" cy="6858000"/>
   <p:notesSz cx="7772400" cy="10058400"/>
@@ -2479,7 +2478,7 @@
                 <a:spcPct val="100000"/>
               </a:lnSpc>
             </a:pPr>
-            <a:fld id="{FECDA7DC-E092-43F4-9BC1-8E16ED9EE9EB}" type="slidenum">
+            <a:fld id="{99B184F7-7C54-4C54-862F-2904BEC11641}" type="slidenum">
               <a:rPr lang="en-US" sz="1200">
                 <a:solidFill>
                   <a:srgbClr val="8b8b8b"/>
@@ -3010,7 +3009,7 @@
                 <a:spcPct val="100000"/>
               </a:lnSpc>
             </a:pPr>
-            <a:fld id="{B671858C-B696-4FBB-BAA5-DC7E2F1756BC}" type="slidenum">
+            <a:fld id="{EE3E4F1C-15DD-433B-B8D1-2747D201742B}" type="slidenum">
               <a:rPr lang="en-US" sz="1200">
                 <a:solidFill>
                   <a:srgbClr val="8b8b8b"/>
@@ -3183,7 +3182,7 @@
       </p:grpSpPr>
       <p:sp>
         <p:nvSpPr>
-          <p:cNvPr id="110" name="TextShape 1"/>
+          <p:cNvPr id="109" name="TextShape 1"/>
           <p:cNvSpPr txBox="1"/>
           <p:nvPr/>
         </p:nvSpPr>
@@ -3199,19 +3198,12 @@
         <p:txBody>
           <a:bodyPr anchor="ctr"/>
           <a:p>
-            <a:pPr algn="ctr">
-              <a:lnSpc>
-                <a:spcPct val="100000"/>
-              </a:lnSpc>
-            </a:pPr>
+            <a:pPr algn="ctr"/>
             <a:r>
               <a:rPr lang="en-US" sz="4400">
-                <a:solidFill>
-                  <a:srgbClr val="000000"/>
-                </a:solidFill>
-                <a:latin typeface="Calibri"/>
-              </a:rPr>
-              <a:t>Comparison: House A</a:t>
+                <a:latin typeface="Calibri"/>
+              </a:rPr>
+              <a:t>House A Metrics</a:t>
             </a:r>
             <a:endParaRPr/>
           </a:p>
@@ -3219,7 +3211,7 @@
       </p:sp>
       <p:pic>
         <p:nvPicPr>
-          <p:cNvPr id="111" name="Picture 5" descr=""/>
+          <p:cNvPr id="110" name="" descr=""/>
           <p:cNvPicPr/>
           <p:nvPr/>
         </p:nvPicPr>
@@ -3231,8 +3223,8 @@
         </p:blipFill>
         <p:spPr>
           <a:xfrm>
-            <a:off x="1911600" y="1417680"/>
-            <a:ext cx="5453640" cy="4746600"/>
+            <a:off x="1588320" y="1508400"/>
+            <a:ext cx="6184080" cy="5075280"/>
           </a:xfrm>
           <a:prstGeom prst="rect">
             <a:avLst/>
@@ -3293,7 +3285,7 @@
       </p:grpSpPr>
       <p:sp>
         <p:nvSpPr>
-          <p:cNvPr id="112" name="TextShape 1"/>
+          <p:cNvPr id="111" name="TextShape 1"/>
           <p:cNvSpPr txBox="1"/>
           <p:nvPr/>
         </p:nvSpPr>
@@ -3309,12 +3301,19 @@
         <p:txBody>
           <a:bodyPr anchor="ctr"/>
           <a:p>
-            <a:pPr algn="ctr"/>
+            <a:pPr algn="ctr">
+              <a:lnSpc>
+                <a:spcPct val="100000"/>
+              </a:lnSpc>
+            </a:pPr>
             <a:r>
               <a:rPr lang="en-US" sz="4400">
-                <a:latin typeface="Calibri"/>
-              </a:rPr>
-              <a:t>House A Metrics</a:t>
+                <a:solidFill>
+                  <a:srgbClr val="000000"/>
+                </a:solidFill>
+                <a:latin typeface="Calibri"/>
+              </a:rPr>
+              <a:t>Comparison: House B</a:t>
             </a:r>
             <a:endParaRPr/>
           </a:p>
@@ -3322,7 +3321,7 @@
       </p:sp>
       <p:pic>
         <p:nvPicPr>
-          <p:cNvPr id="113" name="" descr=""/>
+          <p:cNvPr id="112" name="Picture 3" descr=""/>
           <p:cNvPicPr/>
           <p:nvPr/>
         </p:nvPicPr>
@@ -3334,8 +3333,8 @@
         </p:blipFill>
         <p:spPr>
           <a:xfrm>
-            <a:off x="1588320" y="1508400"/>
-            <a:ext cx="6184080" cy="5075280"/>
+            <a:off x="1270080" y="1285200"/>
+            <a:ext cx="6271560" cy="5465520"/>
           </a:xfrm>
           <a:prstGeom prst="rect">
             <a:avLst/>
@@ -3396,7 +3395,7 @@
       </p:grpSpPr>
       <p:sp>
         <p:nvSpPr>
-          <p:cNvPr id="114" name="TextShape 1"/>
+          <p:cNvPr id="113" name="TextShape 1"/>
           <p:cNvSpPr txBox="1"/>
           <p:nvPr/>
         </p:nvSpPr>
@@ -3424,7 +3423,7 @@
                 </a:solidFill>
                 <a:latin typeface="Calibri"/>
               </a:rPr>
-              <a:t>Comparison: House B</a:t>
+              <a:t>Comparison: House C</a:t>
             </a:r>
             <a:endParaRPr/>
           </a:p>
@@ -3432,7 +3431,7 @@
       </p:sp>
       <p:pic>
         <p:nvPicPr>
-          <p:cNvPr id="115" name="Picture 3" descr=""/>
+          <p:cNvPr id="114" name="Picture 3" descr=""/>
           <p:cNvPicPr/>
           <p:nvPr/>
         </p:nvPicPr>
@@ -3444,8 +3443,8 @@
         </p:blipFill>
         <p:spPr>
           <a:xfrm>
-            <a:off x="1270080" y="1285200"/>
-            <a:ext cx="6271560" cy="5465520"/>
+            <a:off x="1350360" y="1250640"/>
+            <a:ext cx="6183720" cy="5339520"/>
           </a:xfrm>
           <a:prstGeom prst="rect">
             <a:avLst/>
@@ -3506,7 +3505,7 @@
       </p:grpSpPr>
       <p:sp>
         <p:nvSpPr>
-          <p:cNvPr id="116" name="TextShape 1"/>
+          <p:cNvPr id="115" name="TextShape 1"/>
           <p:cNvSpPr txBox="1"/>
           <p:nvPr/>
         </p:nvSpPr>
@@ -3534,37 +3533,79 @@
                 </a:solidFill>
                 <a:latin typeface="Calibri"/>
               </a:rPr>
-              <a:t>Comparison: House C</a:t>
-            </a:r>
-            <a:endParaRPr/>
-          </a:p>
-        </p:txBody>
-      </p:sp>
-      <p:pic>
-        <p:nvPicPr>
-          <p:cNvPr id="117" name="Picture 3" descr=""/>
-          <p:cNvPicPr/>
+              <a:t>Summary</a:t>
+            </a:r>
+            <a:endParaRPr/>
+          </a:p>
+        </p:txBody>
+      </p:sp>
+      <p:sp>
+        <p:nvSpPr>
+          <p:cNvPr id="116" name="TextShape 2"/>
+          <p:cNvSpPr txBox="1"/>
           <p:nvPr/>
-        </p:nvPicPr>
-        <p:blipFill>
-          <a:blip r:embed="rId1"/>
-          <a:stretch>
-            <a:fillRect/>
-          </a:stretch>
-        </p:blipFill>
-        <p:spPr>
-          <a:xfrm>
-            <a:off x="1350360" y="1250640"/>
-            <a:ext cx="6183720" cy="5339520"/>
-          </a:xfrm>
-          <a:prstGeom prst="rect">
-            <a:avLst/>
-          </a:prstGeom>
-          <a:ln>
-            <a:noFill/>
-          </a:ln>
-        </p:spPr>
-      </p:pic>
+        </p:nvSpPr>
+        <p:spPr>
+          <a:xfrm>
+            <a:off x="457200" y="1600200"/>
+            <a:ext cx="8229240" cy="4525560"/>
+          </a:xfrm>
+          <a:prstGeom prst="rect">
+            <a:avLst/>
+          </a:prstGeom>
+        </p:spPr>
+        <p:txBody>
+          <a:bodyPr/>
+          <a:p>
+            <a:pPr>
+              <a:lnSpc>
+                <a:spcPct val="100000"/>
+              </a:lnSpc>
+              <a:buFont typeface="Arial"/>
+              <a:buChar char="•"/>
+            </a:pPr>
+            <a:r>
+              <a:rPr lang="en-US" sz="3200">
+                <a:solidFill>
+                  <a:srgbClr val="000000"/>
+                </a:solidFill>
+                <a:latin typeface="Calibri"/>
+              </a:rPr>
+              <a:t>Naive Bayes consistently outperforms other methods</a:t>
+            </a:r>
+            <a:endParaRPr/>
+          </a:p>
+          <a:p>
+            <a:pPr>
+              <a:lnSpc>
+                <a:spcPct val="100000"/>
+              </a:lnSpc>
+              <a:buFont typeface="Arial"/>
+              <a:buChar char="•"/>
+            </a:pPr>
+            <a:r>
+              <a:rPr lang="en-US" sz="3200">
+                <a:solidFill>
+                  <a:srgbClr val="000000"/>
+                </a:solidFill>
+                <a:latin typeface="Calibri"/>
+              </a:rPr>
+              <a:t>Structured SVM also performs well in sensors based activity recognition.</a:t>
+            </a:r>
+            <a:endParaRPr/>
+          </a:p>
+          <a:p>
+            <a:pPr>
+              <a:lnSpc>
+                <a:spcPct val="100000"/>
+              </a:lnSpc>
+              <a:buFont typeface="Arial"/>
+              <a:buChar char="•"/>
+            </a:pPr>
+            <a:endParaRPr/>
+          </a:p>
+        </p:txBody>
+      </p:sp>
     </p:spTree>
   </p:cSld>
   <p:timing>
@@ -3574,158 +3615,6 @@
           <p:childTnLst>
             <p:seq>
               <p:cTn id="26" nodeType="mainSeq"/>
-              <p:prevCondLst>
-                <p:cond delay="0" evt="onPrev">
-                  <p:tgtEl>
-                    <p:sldTgt/>
-                  </p:tgtEl>
-                </p:cond>
-              </p:prevCondLst>
-              <p:nextCondLst>
-                <p:cond delay="0" evt="onNext">
-                  <p:tgtEl>
-                    <p:sldTgt/>
-                  </p:tgtEl>
-                </p:cond>
-              </p:nextCondLst>
-            </p:seq>
-          </p:childTnLst>
-        </p:cTn>
-      </p:par>
-    </p:tnLst>
-  </p:timing>
-</p:sld>
-</file>
-
-<file path=ppt/slides/slide14.xml><?xml version="1.0" encoding="utf-8"?>
-<p:sld xmlns:a="http://schemas.openxmlformats.org/drawingml/2006/main" xmlns:p="http://schemas.openxmlformats.org/presentationml/2006/main" xmlns:r="http://schemas.openxmlformats.org/officeDocument/2006/relationships">
-  <p:cSld>
-    <p:spTree>
-      <p:nvGrpSpPr>
-        <p:cNvPr id="1" name=""/>
-        <p:cNvGrpSpPr/>
-        <p:nvPr/>
-      </p:nvGrpSpPr>
-      <p:grpSpPr>
-        <a:xfrm>
-          <a:off x="0" y="0"/>
-          <a:ext cx="0" cy="0"/>
-          <a:chOff x="0" y="0"/>
-          <a:chExt cx="0" cy="0"/>
-        </a:xfrm>
-      </p:grpSpPr>
-      <p:sp>
-        <p:nvSpPr>
-          <p:cNvPr id="118" name="TextShape 1"/>
-          <p:cNvSpPr txBox="1"/>
-          <p:nvPr/>
-        </p:nvSpPr>
-        <p:spPr>
-          <a:xfrm>
-            <a:off x="457200" y="274680"/>
-            <a:ext cx="8229240" cy="1142640"/>
-          </a:xfrm>
-          <a:prstGeom prst="rect">
-            <a:avLst/>
-          </a:prstGeom>
-        </p:spPr>
-        <p:txBody>
-          <a:bodyPr anchor="ctr"/>
-          <a:p>
-            <a:pPr algn="ctr">
-              <a:lnSpc>
-                <a:spcPct val="100000"/>
-              </a:lnSpc>
-            </a:pPr>
-            <a:r>
-              <a:rPr lang="en-US" sz="4400">
-                <a:solidFill>
-                  <a:srgbClr val="000000"/>
-                </a:solidFill>
-                <a:latin typeface="Calibri"/>
-              </a:rPr>
-              <a:t>Summary</a:t>
-            </a:r>
-            <a:endParaRPr/>
-          </a:p>
-        </p:txBody>
-      </p:sp>
-      <p:sp>
-        <p:nvSpPr>
-          <p:cNvPr id="119" name="TextShape 2"/>
-          <p:cNvSpPr txBox="1"/>
-          <p:nvPr/>
-        </p:nvSpPr>
-        <p:spPr>
-          <a:xfrm>
-            <a:off x="457200" y="1600200"/>
-            <a:ext cx="8229240" cy="4525560"/>
-          </a:xfrm>
-          <a:prstGeom prst="rect">
-            <a:avLst/>
-          </a:prstGeom>
-        </p:spPr>
-        <p:txBody>
-          <a:bodyPr/>
-          <a:p>
-            <a:pPr>
-              <a:lnSpc>
-                <a:spcPct val="100000"/>
-              </a:lnSpc>
-              <a:buFont typeface="Arial"/>
-              <a:buChar char="•"/>
-            </a:pPr>
-            <a:r>
-              <a:rPr lang="en-US" sz="3200">
-                <a:solidFill>
-                  <a:srgbClr val="000000"/>
-                </a:solidFill>
-                <a:latin typeface="Calibri"/>
-              </a:rPr>
-              <a:t>Naive Bayes consistently outperforms other methods</a:t>
-            </a:r>
-            <a:endParaRPr/>
-          </a:p>
-          <a:p>
-            <a:pPr>
-              <a:lnSpc>
-                <a:spcPct val="100000"/>
-              </a:lnSpc>
-              <a:buFont typeface="Arial"/>
-              <a:buChar char="•"/>
-            </a:pPr>
-            <a:r>
-              <a:rPr lang="en-US" sz="3200">
-                <a:solidFill>
-                  <a:srgbClr val="000000"/>
-                </a:solidFill>
-                <a:latin typeface="Calibri"/>
-              </a:rPr>
-              <a:t>Structured SVM also performs well in sensors based activity recognition.</a:t>
-            </a:r>
-            <a:endParaRPr/>
-          </a:p>
-          <a:p>
-            <a:pPr>
-              <a:lnSpc>
-                <a:spcPct val="100000"/>
-              </a:lnSpc>
-              <a:buFont typeface="Arial"/>
-              <a:buChar char="•"/>
-            </a:pPr>
-            <a:endParaRPr/>
-          </a:p>
-        </p:txBody>
-      </p:sp>
-    </p:spTree>
-  </p:cSld>
-  <p:timing>
-    <p:tnLst>
-      <p:par>
-        <p:cTn id="27" dur="indefinite" restart="never" nodeType="tmRoot">
-          <p:childTnLst>
-            <p:seq>
-              <p:cTn id="28" nodeType="mainSeq"/>
               <p:prevCondLst>
                 <p:cond delay="0" evt="onPrev">
                   <p:tgtEl>
@@ -3796,7 +3685,7 @@
                 </a:solidFill>
                 <a:latin typeface="Calibri"/>
               </a:rPr>
-              <a:t>Internet of Things</a:t>
+              <a:t>Activity Recognition</a:t>
             </a:r>
             <a:endParaRPr/>
           </a:p>
@@ -3834,8 +3723,24 @@
                 </a:solidFill>
                 <a:latin typeface="Calibri"/>
               </a:rPr>
-              <a:t>Network of physical ‘things’ to collect and exchange data</a:t>
-            </a:r>
+              <a:t>Recognizing human activities e.g. home occupancy, sleeping, cooking, bathing</a:t>
+            </a:r>
+            <a:endParaRPr/>
+          </a:p>
+          <a:p>
+            <a:pPr>
+              <a:lnSpc>
+                <a:spcPct val="100000"/>
+              </a:lnSpc>
+            </a:pPr>
+            <a:endParaRPr/>
+          </a:p>
+          <a:p>
+            <a:pPr>
+              <a:lnSpc>
+                <a:spcPct val="100000"/>
+              </a:lnSpc>
+            </a:pPr>
             <a:endParaRPr/>
           </a:p>
           <a:p>
@@ -3858,7 +3763,7 @@
       </p:sp>
       <p:pic>
         <p:nvPicPr>
-          <p:cNvPr id="82" name="Picture 9" descr=""/>
+          <p:cNvPr id="82" name="Picture 5" descr=""/>
           <p:cNvPicPr/>
           <p:nvPr/>
         </p:nvPicPr>
@@ -3870,8 +3775,8 @@
         </p:blipFill>
         <p:spPr>
           <a:xfrm>
-            <a:off x="975960" y="2690640"/>
-            <a:ext cx="7151760" cy="3755880"/>
+            <a:off x="614880" y="3140280"/>
+            <a:ext cx="2955960" cy="2731320"/>
           </a:xfrm>
           <a:prstGeom prst="rect">
             <a:avLst/>
@@ -3881,6 +3786,176 @@
           </a:ln>
         </p:spPr>
       </p:pic>
+      <p:pic>
+        <p:nvPicPr>
+          <p:cNvPr id="83" name="Picture 6" descr=""/>
+          <p:cNvPicPr/>
+          <p:nvPr/>
+        </p:nvPicPr>
+        <p:blipFill>
+          <a:blip r:embed="rId2"/>
+          <a:stretch>
+            <a:fillRect/>
+          </a:stretch>
+        </p:blipFill>
+        <p:spPr>
+          <a:xfrm>
+            <a:off x="3048120" y="3690720"/>
+            <a:ext cx="3402000" cy="1755720"/>
+          </a:xfrm>
+          <a:prstGeom prst="rect">
+            <a:avLst/>
+          </a:prstGeom>
+          <a:ln>
+            <a:noFill/>
+          </a:ln>
+        </p:spPr>
+      </p:pic>
+      <p:sp>
+        <p:nvSpPr>
+          <p:cNvPr id="84" name="CustomShape 3"/>
+          <p:cNvSpPr/>
+          <p:nvPr/>
+        </p:nvSpPr>
+        <p:spPr>
+          <a:xfrm>
+            <a:off x="4449600" y="5687280"/>
+            <a:ext cx="600120" cy="364680"/>
+          </a:xfrm>
+          <a:prstGeom prst="rect">
+            <a:avLst/>
+          </a:prstGeom>
+          <a:noFill/>
+          <a:ln>
+            <a:noFill/>
+          </a:ln>
+        </p:spPr>
+        <p:txBody>
+          <a:bodyPr wrap="none" lIns="90000" rIns="90000" tIns="45000" bIns="45000"/>
+          <a:p>
+            <a:pPr>
+              <a:lnSpc>
+                <a:spcPct val="100000"/>
+              </a:lnSpc>
+            </a:pPr>
+            <a:r>
+              <a:rPr b="1" lang="en-US">
+                <a:solidFill>
+                  <a:srgbClr val="000000"/>
+                </a:solidFill>
+                <a:latin typeface="Calibri"/>
+              </a:rPr>
+              <a:t>Ulo</a:t>
+            </a:r>
+            <a:endParaRPr/>
+          </a:p>
+        </p:txBody>
+      </p:sp>
+      <p:sp>
+        <p:nvSpPr>
+          <p:cNvPr id="85" name="CustomShape 4"/>
+          <p:cNvSpPr/>
+          <p:nvPr/>
+        </p:nvSpPr>
+        <p:spPr>
+          <a:xfrm>
+            <a:off x="1676520" y="5687280"/>
+            <a:ext cx="772560" cy="364680"/>
+          </a:xfrm>
+          <a:prstGeom prst="rect">
+            <a:avLst/>
+          </a:prstGeom>
+          <a:noFill/>
+          <a:ln>
+            <a:noFill/>
+          </a:ln>
+        </p:spPr>
+        <p:txBody>
+          <a:bodyPr wrap="none" lIns="90000" rIns="90000" tIns="45000" bIns="45000"/>
+          <a:p>
+            <a:pPr>
+              <a:lnSpc>
+                <a:spcPct val="100000"/>
+              </a:lnSpc>
+            </a:pPr>
+            <a:r>
+              <a:rPr b="1" lang="en-US">
+                <a:solidFill>
+                  <a:srgbClr val="000000"/>
+                </a:solidFill>
+                <a:latin typeface="Calibri"/>
+              </a:rPr>
+              <a:t>Nest</a:t>
+            </a:r>
+            <a:endParaRPr/>
+          </a:p>
+        </p:txBody>
+      </p:sp>
+      <p:pic>
+        <p:nvPicPr>
+          <p:cNvPr id="86" name="Picture 9" descr=""/>
+          <p:cNvPicPr/>
+          <p:nvPr/>
+        </p:nvPicPr>
+        <p:blipFill>
+          <a:blip r:embed="rId3"/>
+          <a:stretch>
+            <a:fillRect/>
+          </a:stretch>
+        </p:blipFill>
+        <p:spPr>
+          <a:xfrm>
+            <a:off x="6131160" y="3466800"/>
+            <a:ext cx="2089800" cy="2089800"/>
+          </a:xfrm>
+          <a:prstGeom prst="rect">
+            <a:avLst/>
+          </a:prstGeom>
+          <a:ln>
+            <a:noFill/>
+          </a:ln>
+        </p:spPr>
+      </p:pic>
+      <p:sp>
+        <p:nvSpPr>
+          <p:cNvPr id="87" name="CustomShape 5"/>
+          <p:cNvSpPr/>
+          <p:nvPr/>
+        </p:nvSpPr>
+        <p:spPr>
+          <a:xfrm>
+            <a:off x="5784480" y="5687280"/>
+            <a:ext cx="2779560" cy="364680"/>
+          </a:xfrm>
+          <a:prstGeom prst="rect">
+            <a:avLst/>
+          </a:prstGeom>
+          <a:noFill/>
+          <a:ln>
+            <a:noFill/>
+          </a:ln>
+        </p:spPr>
+        <p:txBody>
+          <a:bodyPr wrap="none" lIns="90000" rIns="90000" tIns="45000" bIns="45000"/>
+          <a:p>
+            <a:pPr>
+              <a:lnSpc>
+                <a:spcPct val="100000"/>
+              </a:lnSpc>
+            </a:pPr>
+            <a:r>
+              <a:rPr b="1" lang="en-US">
+                <a:solidFill>
+                  <a:srgbClr val="000000"/>
+                </a:solidFill>
+                <a:latin typeface="Calibri"/>
+              </a:rPr>
+              <a:t>Belkin Smart Switch</a:t>
+            </a:r>
+            <a:endParaRPr/>
+          </a:p>
+        </p:txBody>
+      </p:sp>
     </p:spTree>
   </p:cSld>
   <p:timing>
@@ -3932,7 +4007,7 @@
       </p:grpSpPr>
       <p:sp>
         <p:nvSpPr>
-          <p:cNvPr id="83" name="TextShape 1"/>
+          <p:cNvPr id="88" name="TextShape 1"/>
           <p:cNvSpPr txBox="1"/>
           <p:nvPr/>
         </p:nvSpPr>
@@ -3960,21 +4035,21 @@
                 </a:solidFill>
                 <a:latin typeface="Calibri"/>
               </a:rPr>
-              <a:t>Activity Recognition</a:t>
-            </a:r>
-            <a:endParaRPr/>
-          </a:p>
-        </p:txBody>
-      </p:sp>
-      <p:sp>
-        <p:nvSpPr>
-          <p:cNvPr id="84" name="TextShape 2"/>
+              <a:t>Problem definition</a:t>
+            </a:r>
+            <a:endParaRPr/>
+          </a:p>
+        </p:txBody>
+      </p:sp>
+      <p:sp>
+        <p:nvSpPr>
+          <p:cNvPr id="89" name="TextShape 2"/>
           <p:cNvSpPr txBox="1"/>
           <p:nvPr/>
         </p:nvSpPr>
         <p:spPr>
           <a:xfrm>
-            <a:off x="457200" y="1600200"/>
+            <a:off x="365760" y="1235160"/>
             <a:ext cx="8229240" cy="4525560"/>
           </a:xfrm>
           <a:prstGeom prst="rect">
@@ -3998,47 +4073,18 @@
                 </a:solidFill>
                 <a:latin typeface="Calibri"/>
               </a:rPr>
-              <a:t>Recognizing human activities e.g. home occupancy, sleeping, cooking, bathing</a:t>
-            </a:r>
-            <a:endParaRPr/>
-          </a:p>
-          <a:p>
-            <a:pPr>
-              <a:lnSpc>
-                <a:spcPct val="100000"/>
-              </a:lnSpc>
-            </a:pPr>
-            <a:endParaRPr/>
-          </a:p>
-          <a:p>
-            <a:pPr>
-              <a:lnSpc>
-                <a:spcPct val="100000"/>
-              </a:lnSpc>
-            </a:pPr>
-            <a:endParaRPr/>
-          </a:p>
-          <a:p>
-            <a:pPr>
-              <a:lnSpc>
-                <a:spcPct val="100000"/>
-              </a:lnSpc>
-            </a:pPr>
-            <a:endParaRPr/>
-          </a:p>
-          <a:p>
-            <a:pPr>
-              <a:lnSpc>
-                <a:spcPct val="100000"/>
-              </a:lnSpc>
-            </a:pPr>
+              <a:t>Infer occupant activities using sensors home deployed sensors</a:t>
+            </a:r>
+            <a:endParaRPr/>
+          </a:p>
+          <a:p>
             <a:endParaRPr/>
           </a:p>
         </p:txBody>
       </p:sp>
       <p:pic>
         <p:nvPicPr>
-          <p:cNvPr id="85" name="Picture 5" descr=""/>
+          <p:cNvPr id="90" name="" descr=""/>
           <p:cNvPicPr/>
           <p:nvPr/>
         </p:nvPicPr>
@@ -4050,8 +4096,8 @@
         </p:blipFill>
         <p:spPr>
           <a:xfrm>
-            <a:off x="614880" y="2780280"/>
-            <a:ext cx="2955960" cy="2731320"/>
+            <a:off x="365760" y="2468880"/>
+            <a:ext cx="4754880" cy="4206240"/>
           </a:xfrm>
           <a:prstGeom prst="rect">
             <a:avLst/>
@@ -4063,7 +4109,7 @@
       </p:pic>
       <p:pic>
         <p:nvPicPr>
-          <p:cNvPr id="86" name="Picture 6" descr=""/>
+          <p:cNvPr id="91" name="" descr=""/>
           <p:cNvPicPr/>
           <p:nvPr/>
         </p:nvPicPr>
@@ -4075,8 +4121,8 @@
         </p:blipFill>
         <p:spPr>
           <a:xfrm>
-            <a:off x="3048120" y="3330720"/>
-            <a:ext cx="3402000" cy="1755720"/>
+            <a:off x="7223760" y="1920240"/>
+            <a:ext cx="1920240" cy="1584720"/>
           </a:xfrm>
           <a:prstGeom prst="rect">
             <a:avLst/>
@@ -4086,89 +4132,9 @@
           </a:ln>
         </p:spPr>
       </p:pic>
-      <p:sp>
-        <p:nvSpPr>
-          <p:cNvPr id="87" name="CustomShape 3"/>
-          <p:cNvSpPr/>
-          <p:nvPr/>
-        </p:nvSpPr>
-        <p:spPr>
-          <a:xfrm>
-            <a:off x="4449600" y="5327280"/>
-            <a:ext cx="600120" cy="364680"/>
-          </a:xfrm>
-          <a:prstGeom prst="rect">
-            <a:avLst/>
-          </a:prstGeom>
-          <a:noFill/>
-          <a:ln>
-            <a:noFill/>
-          </a:ln>
-        </p:spPr>
-        <p:txBody>
-          <a:bodyPr wrap="none" lIns="90000" rIns="90000" tIns="45000" bIns="45000"/>
-          <a:p>
-            <a:pPr>
-              <a:lnSpc>
-                <a:spcPct val="100000"/>
-              </a:lnSpc>
-            </a:pPr>
-            <a:r>
-              <a:rPr b="1" lang="en-US">
-                <a:solidFill>
-                  <a:srgbClr val="000000"/>
-                </a:solidFill>
-                <a:latin typeface="Calibri"/>
-              </a:rPr>
-              <a:t>Ulo</a:t>
-            </a:r>
-            <a:endParaRPr/>
-          </a:p>
-        </p:txBody>
-      </p:sp>
-      <p:sp>
-        <p:nvSpPr>
-          <p:cNvPr id="88" name="CustomShape 4"/>
-          <p:cNvSpPr/>
-          <p:nvPr/>
-        </p:nvSpPr>
-        <p:spPr>
-          <a:xfrm>
-            <a:off x="1676520" y="5327280"/>
-            <a:ext cx="772560" cy="364680"/>
-          </a:xfrm>
-          <a:prstGeom prst="rect">
-            <a:avLst/>
-          </a:prstGeom>
-          <a:noFill/>
-          <a:ln>
-            <a:noFill/>
-          </a:ln>
-        </p:spPr>
-        <p:txBody>
-          <a:bodyPr wrap="none" lIns="90000" rIns="90000" tIns="45000" bIns="45000"/>
-          <a:p>
-            <a:pPr>
-              <a:lnSpc>
-                <a:spcPct val="100000"/>
-              </a:lnSpc>
-            </a:pPr>
-            <a:r>
-              <a:rPr b="1" lang="en-US">
-                <a:solidFill>
-                  <a:srgbClr val="000000"/>
-                </a:solidFill>
-                <a:latin typeface="Calibri"/>
-              </a:rPr>
-              <a:t>Nest</a:t>
-            </a:r>
-            <a:endParaRPr/>
-          </a:p>
-        </p:txBody>
-      </p:sp>
       <p:pic>
         <p:nvPicPr>
-          <p:cNvPr id="89" name="Picture 9" descr=""/>
+          <p:cNvPr id="92" name="" descr=""/>
           <p:cNvPicPr/>
           <p:nvPr/>
         </p:nvPicPr>
@@ -4180,8 +4146,8 @@
         </p:blipFill>
         <p:spPr>
           <a:xfrm>
-            <a:off x="6131160" y="3106800"/>
-            <a:ext cx="2089800" cy="2089800"/>
+            <a:off x="7407000" y="3657600"/>
+            <a:ext cx="1462680" cy="1280160"/>
           </a:xfrm>
           <a:prstGeom prst="rect">
             <a:avLst/>
@@ -4191,45 +4157,53 @@
           </a:ln>
         </p:spPr>
       </p:pic>
-      <p:sp>
-        <p:nvSpPr>
-          <p:cNvPr id="90" name="CustomShape 5"/>
-          <p:cNvSpPr/>
+      <p:pic>
+        <p:nvPicPr>
+          <p:cNvPr id="93" name="" descr=""/>
+          <p:cNvPicPr/>
           <p:nvPr/>
-        </p:nvSpPr>
-        <p:spPr>
-          <a:xfrm>
-            <a:off x="5784480" y="5327280"/>
-            <a:ext cx="2779560" cy="364680"/>
-          </a:xfrm>
-          <a:prstGeom prst="rect">
-            <a:avLst/>
-          </a:prstGeom>
-          <a:noFill/>
+        </p:nvPicPr>
+        <p:blipFill>
+          <a:blip r:embed="rId4"/>
+          <a:stretch>
+            <a:fillRect/>
+          </a:stretch>
+        </p:blipFill>
+        <p:spPr>
+          <a:xfrm>
+            <a:off x="7194600" y="5000040"/>
+            <a:ext cx="2040840" cy="1766520"/>
+          </a:xfrm>
+          <a:prstGeom prst="rect">
+            <a:avLst/>
+          </a:prstGeom>
           <a:ln>
             <a:noFill/>
           </a:ln>
         </p:spPr>
-        <p:txBody>
-          <a:bodyPr wrap="none" lIns="90000" rIns="90000" tIns="45000" bIns="45000"/>
-          <a:p>
-            <a:pPr>
-              <a:lnSpc>
-                <a:spcPct val="100000"/>
-              </a:lnSpc>
-            </a:pPr>
-            <a:r>
-              <a:rPr b="1" lang="en-US">
-                <a:solidFill>
-                  <a:srgbClr val="000000"/>
-                </a:solidFill>
-                <a:latin typeface="Calibri"/>
-              </a:rPr>
-              <a:t>Belkin Smart Switch</a:t>
-            </a:r>
-            <a:endParaRPr/>
-          </a:p>
-        </p:txBody>
+      </p:pic>
+      <p:sp>
+        <p:nvSpPr>
+          <p:cNvPr id="94" name="Line 3"/>
+          <p:cNvSpPr/>
+          <p:nvPr/>
+        </p:nvSpPr>
+        <p:spPr>
+          <a:xfrm>
+            <a:off x="5394960" y="4572000"/>
+            <a:ext cx="1097280" cy="0"/>
+          </a:xfrm>
+          <a:prstGeom prst="line">
+            <a:avLst/>
+          </a:prstGeom>
+          <a:ln w="36720">
+            <a:solidFill>
+              <a:srgbClr val="000000"/>
+            </a:solidFill>
+            <a:round/>
+            <a:tailEnd len="med" type="triangle" w="med"/>
+          </a:ln>
+        </p:spPr>
       </p:sp>
     </p:spTree>
   </p:cSld>
@@ -4282,7 +4256,7 @@
       </p:grpSpPr>
       <p:sp>
         <p:nvSpPr>
-          <p:cNvPr id="91" name="TextShape 1"/>
+          <p:cNvPr id="95" name="TextShape 1"/>
           <p:cNvSpPr txBox="1"/>
           <p:nvPr/>
         </p:nvSpPr>
@@ -4310,22 +4284,22 @@
                 </a:solidFill>
                 <a:latin typeface="Calibri"/>
               </a:rPr>
-              <a:t>Problem definition</a:t>
-            </a:r>
-            <a:endParaRPr/>
-          </a:p>
-        </p:txBody>
-      </p:sp>
-      <p:sp>
-        <p:nvSpPr>
-          <p:cNvPr id="92" name="TextShape 2"/>
+              <a:t>Evaluation</a:t>
+            </a:r>
+            <a:endParaRPr/>
+          </a:p>
+        </p:txBody>
+      </p:sp>
+      <p:sp>
+        <p:nvSpPr>
+          <p:cNvPr id="96" name="TextShape 2"/>
           <p:cNvSpPr txBox="1"/>
           <p:nvPr/>
         </p:nvSpPr>
         <p:spPr>
           <a:xfrm>
-            <a:off x="365760" y="1235160"/>
-            <a:ext cx="8229240" cy="4525560"/>
+            <a:off x="365760" y="1920240"/>
+            <a:ext cx="3552840" cy="4525560"/>
           </a:xfrm>
           <a:prstGeom prst="rect">
             <a:avLst/>
@@ -4335,31 +4309,51 @@
           <a:bodyPr/>
           <a:p>
             <a:pPr>
-              <a:lnSpc>
-                <a:spcPct val="100000"/>
-              </a:lnSpc>
-              <a:buFont typeface="Arial"/>
-              <a:buChar char="•"/>
+              <a:buSzPct val="45000"/>
+              <a:buFont typeface="StarSymbol"/>
+              <a:buChar char=""/>
             </a:pPr>
             <a:r>
               <a:rPr lang="en-US" sz="3200">
-                <a:solidFill>
-                  <a:srgbClr val="000000"/>
-                </a:solidFill>
-                <a:latin typeface="Calibri"/>
-              </a:rPr>
-              <a:t>Infer occupant activities using sensors home deployed sensors</a:t>
-            </a:r>
-            <a:endParaRPr/>
-          </a:p>
-          <a:p>
+                <a:latin typeface="Calibri"/>
+              </a:rPr>
+              <a:t>2 apartments 1 home</a:t>
+            </a:r>
+            <a:endParaRPr/>
+          </a:p>
+          <a:p>
+            <a:pPr>
+              <a:buSzPct val="45000"/>
+              <a:buFont typeface="StarSymbol"/>
+              <a:buChar char=""/>
+            </a:pPr>
+            <a:r>
+              <a:rPr lang="en-US" sz="3200">
+                <a:latin typeface="Calibri"/>
+              </a:rPr>
+              <a:t>Each single occupant</a:t>
+            </a:r>
+            <a:endParaRPr/>
+          </a:p>
+          <a:p>
+            <a:pPr>
+              <a:buSzPct val="45000"/>
+              <a:buFont typeface="StarSymbol"/>
+              <a:buChar char=""/>
+            </a:pPr>
+            <a:r>
+              <a:rPr lang="en-US" sz="3200">
+                <a:latin typeface="Calibri"/>
+              </a:rPr>
+              <a:t>Duration      14 – 25 days</a:t>
+            </a:r>
             <a:endParaRPr/>
           </a:p>
         </p:txBody>
       </p:sp>
       <p:pic>
         <p:nvPicPr>
-          <p:cNvPr id="93" name="" descr=""/>
+          <p:cNvPr id="97" name="Picture 5" descr=""/>
           <p:cNvPicPr/>
           <p:nvPr/>
         </p:nvPicPr>
@@ -4371,8 +4365,8 @@
         </p:blipFill>
         <p:spPr>
           <a:xfrm>
-            <a:off x="365760" y="2468880"/>
-            <a:ext cx="4754880" cy="4206240"/>
+            <a:off x="3918600" y="1191600"/>
+            <a:ext cx="4951080" cy="5483520"/>
           </a:xfrm>
           <a:prstGeom prst="rect">
             <a:avLst/>
@@ -4382,104 +4376,6 @@
           </a:ln>
         </p:spPr>
       </p:pic>
-      <p:pic>
-        <p:nvPicPr>
-          <p:cNvPr id="94" name="" descr=""/>
-          <p:cNvPicPr/>
-          <p:nvPr/>
-        </p:nvPicPr>
-        <p:blipFill>
-          <a:blip r:embed="rId2"/>
-          <a:stretch>
-            <a:fillRect/>
-          </a:stretch>
-        </p:blipFill>
-        <p:spPr>
-          <a:xfrm>
-            <a:off x="7223760" y="1920240"/>
-            <a:ext cx="1920240" cy="1584720"/>
-          </a:xfrm>
-          <a:prstGeom prst="rect">
-            <a:avLst/>
-          </a:prstGeom>
-          <a:ln>
-            <a:noFill/>
-          </a:ln>
-        </p:spPr>
-      </p:pic>
-      <p:pic>
-        <p:nvPicPr>
-          <p:cNvPr id="95" name="" descr=""/>
-          <p:cNvPicPr/>
-          <p:nvPr/>
-        </p:nvPicPr>
-        <p:blipFill>
-          <a:blip r:embed="rId3"/>
-          <a:stretch>
-            <a:fillRect/>
-          </a:stretch>
-        </p:blipFill>
-        <p:spPr>
-          <a:xfrm>
-            <a:off x="7407000" y="3657600"/>
-            <a:ext cx="1462680" cy="1280160"/>
-          </a:xfrm>
-          <a:prstGeom prst="rect">
-            <a:avLst/>
-          </a:prstGeom>
-          <a:ln>
-            <a:noFill/>
-          </a:ln>
-        </p:spPr>
-      </p:pic>
-      <p:pic>
-        <p:nvPicPr>
-          <p:cNvPr id="96" name="" descr=""/>
-          <p:cNvPicPr/>
-          <p:nvPr/>
-        </p:nvPicPr>
-        <p:blipFill>
-          <a:blip r:embed="rId4"/>
-          <a:stretch>
-            <a:fillRect/>
-          </a:stretch>
-        </p:blipFill>
-        <p:spPr>
-          <a:xfrm>
-            <a:off x="7194600" y="5000040"/>
-            <a:ext cx="2040840" cy="1766520"/>
-          </a:xfrm>
-          <a:prstGeom prst="rect">
-            <a:avLst/>
-          </a:prstGeom>
-          <a:ln>
-            <a:noFill/>
-          </a:ln>
-        </p:spPr>
-      </p:pic>
-      <p:sp>
-        <p:nvSpPr>
-          <p:cNvPr id="97" name="Line 3"/>
-          <p:cNvSpPr/>
-          <p:nvPr/>
-        </p:nvSpPr>
-        <p:spPr>
-          <a:xfrm>
-            <a:off x="5394960" y="4572000"/>
-            <a:ext cx="1097280" cy="0"/>
-          </a:xfrm>
-          <a:prstGeom prst="line">
-            <a:avLst/>
-          </a:prstGeom>
-          <a:ln w="36720">
-            <a:solidFill>
-              <a:srgbClr val="000000"/>
-            </a:solidFill>
-            <a:round/>
-            <a:tailEnd len="med" type="triangle" w="med"/>
-          </a:ln>
-        </p:spPr>
-      </p:sp>
     </p:spTree>
   </p:cSld>
   <p:timing>
@@ -4559,7 +4455,7 @@
                 </a:solidFill>
                 <a:latin typeface="Calibri"/>
               </a:rPr>
-              <a:t>Evaluation</a:t>
+              <a:t>Dataset</a:t>
             </a:r>
             <a:endParaRPr/>
           </a:p>
@@ -4573,8 +4469,8 @@
         </p:nvSpPr>
         <p:spPr>
           <a:xfrm>
-            <a:off x="365760" y="1920240"/>
-            <a:ext cx="3552840" cy="4525560"/>
+            <a:off x="457200" y="1600200"/>
+            <a:ext cx="8229240" cy="4525560"/>
           </a:xfrm>
           <a:prstGeom prst="rect">
             <a:avLst/>
@@ -4584,73 +4480,158 @@
           <a:bodyPr/>
           <a:p>
             <a:pPr>
-              <a:buSzPct val="45000"/>
-              <a:buFont typeface="StarSymbol"/>
-              <a:buChar char=""/>
+              <a:lnSpc>
+                <a:spcPct val="100000"/>
+              </a:lnSpc>
+              <a:buFont typeface="Arial"/>
+              <a:buChar char="•"/>
             </a:pPr>
             <a:r>
               <a:rPr lang="en-US" sz="3200">
-                <a:latin typeface="Calibri"/>
-              </a:rPr>
-              <a:t>2 apartments 1 home</a:t>
+                <a:solidFill>
+                  <a:srgbClr val="000000"/>
+                </a:solidFill>
+                <a:latin typeface="Calibri"/>
+              </a:rPr>
+              <a:t>Binary sensor data: </a:t>
+            </a:r>
+            <a:endParaRPr/>
+          </a:p>
+          <a:p>
+            <a:pPr lvl="1">
+              <a:lnSpc>
+                <a:spcPct val="100000"/>
+              </a:lnSpc>
+              <a:buFont typeface="Arial"/>
+              <a:buChar char="–"/>
+            </a:pPr>
+            <a:r>
+              <a:rPr lang="en-US" sz="2800">
+                <a:solidFill>
+                  <a:srgbClr val="000000"/>
+                </a:solidFill>
+                <a:latin typeface="Calibri"/>
+              </a:rPr>
+              <a:t>Reed switches : doors or cupboards open or closed</a:t>
+            </a:r>
+            <a:endParaRPr/>
+          </a:p>
+          <a:p>
+            <a:pPr lvl="1">
+              <a:lnSpc>
+                <a:spcPct val="100000"/>
+              </a:lnSpc>
+              <a:buFont typeface="Arial"/>
+              <a:buChar char="–"/>
+            </a:pPr>
+            <a:r>
+              <a:rPr lang="en-US" sz="2800">
+                <a:solidFill>
+                  <a:srgbClr val="000000"/>
+                </a:solidFill>
+                <a:latin typeface="Calibri"/>
+              </a:rPr>
+              <a:t>Pressure mats : lying on bed or couch</a:t>
+            </a:r>
+            <a:endParaRPr/>
+          </a:p>
+          <a:p>
+            <a:pPr lvl="1">
+              <a:lnSpc>
+                <a:spcPct val="100000"/>
+              </a:lnSpc>
+              <a:buFont typeface="Arial"/>
+              <a:buChar char="–"/>
+            </a:pPr>
+            <a:r>
+              <a:rPr lang="en-US" sz="2800">
+                <a:solidFill>
+                  <a:srgbClr val="000000"/>
+                </a:solidFill>
+                <a:latin typeface="Calibri"/>
+              </a:rPr>
+              <a:t>Passive infrared: Detect motion in specific area</a:t>
+            </a:r>
+            <a:endParaRPr/>
+          </a:p>
+          <a:p>
+            <a:pPr lvl="1">
+              <a:lnSpc>
+                <a:spcPct val="100000"/>
+              </a:lnSpc>
+              <a:buFont typeface="Arial"/>
+              <a:buChar char="–"/>
+            </a:pPr>
+            <a:r>
+              <a:rPr lang="en-US" sz="2800">
+                <a:solidFill>
+                  <a:srgbClr val="000000"/>
+                </a:solidFill>
+                <a:latin typeface="Calibri"/>
+              </a:rPr>
+              <a:t>Float sensors: toilet being flushed</a:t>
             </a:r>
             <a:endParaRPr/>
           </a:p>
           <a:p>
             <a:pPr>
-              <a:buSzPct val="45000"/>
-              <a:buFont typeface="StarSymbol"/>
-              <a:buChar char=""/>
+              <a:lnSpc>
+                <a:spcPct val="100000"/>
+              </a:lnSpc>
+              <a:buFont typeface="Arial"/>
+              <a:buChar char="•"/>
             </a:pPr>
             <a:r>
               <a:rPr lang="en-US" sz="3200">
-                <a:latin typeface="Calibri"/>
-              </a:rPr>
-              <a:t>Each single occupant</a:t>
-            </a:r>
-            <a:endParaRPr/>
-          </a:p>
-          <a:p>
-            <a:pPr>
-              <a:buSzPct val="45000"/>
-              <a:buFont typeface="StarSymbol"/>
-              <a:buChar char=""/>
-            </a:pPr>
-            <a:r>
-              <a:rPr lang="en-US" sz="3200">
-                <a:latin typeface="Calibri"/>
-              </a:rPr>
-              <a:t>Duration      14 – 25 days</a:t>
-            </a:r>
-            <a:endParaRPr/>
-          </a:p>
-        </p:txBody>
-      </p:sp>
-      <p:pic>
-        <p:nvPicPr>
-          <p:cNvPr id="100" name="Picture 5" descr=""/>
-          <p:cNvPicPr/>
-          <p:nvPr/>
-        </p:nvPicPr>
-        <p:blipFill>
-          <a:blip r:embed="rId1"/>
-          <a:stretch>
-            <a:fillRect/>
-          </a:stretch>
-        </p:blipFill>
-        <p:spPr>
-          <a:xfrm>
-            <a:off x="3918600" y="1191600"/>
-            <a:ext cx="4951080" cy="5483520"/>
-          </a:xfrm>
-          <a:prstGeom prst="rect">
-            <a:avLst/>
-          </a:prstGeom>
-          <a:ln>
-            <a:noFill/>
-          </a:ln>
-        </p:spPr>
-      </p:pic>
+                <a:solidFill>
+                  <a:srgbClr val="000000"/>
+                </a:solidFill>
+                <a:latin typeface="Calibri"/>
+              </a:rPr>
+              <a:t>Labels: </a:t>
+            </a:r>
+            <a:endParaRPr/>
+          </a:p>
+          <a:p>
+            <a:pPr lvl="1">
+              <a:lnSpc>
+                <a:spcPct val="100000"/>
+              </a:lnSpc>
+              <a:buFont typeface="Arial"/>
+              <a:buChar char="–"/>
+            </a:pPr>
+            <a:r>
+              <a:rPr lang="en-US" sz="2800">
+                <a:solidFill>
+                  <a:srgbClr val="000000"/>
+                </a:solidFill>
+                <a:latin typeface="Calibri"/>
+              </a:rPr>
+              <a:t>Handwritten diary </a:t>
+            </a:r>
+            <a:endParaRPr/>
+          </a:p>
+          <a:p>
+            <a:pPr lvl="1">
+              <a:lnSpc>
+                <a:spcPct val="100000"/>
+              </a:lnSpc>
+              <a:buFont typeface="Arial"/>
+              <a:buChar char="–"/>
+            </a:pPr>
+            <a:r>
+              <a:rPr lang="en-US" sz="2800">
+                <a:solidFill>
+                  <a:srgbClr val="000000"/>
+                </a:solidFill>
+                <a:latin typeface="Calibri"/>
+              </a:rPr>
+              <a:t>Bluetooth diary</a:t>
+            </a:r>
+            <a:endParaRPr/>
+          </a:p>
+        </p:txBody>
+      </p:sp>
     </p:spTree>
   </p:cSld>
   <p:timing>
@@ -4702,7 +4683,7 @@
       </p:grpSpPr>
       <p:sp>
         <p:nvSpPr>
-          <p:cNvPr id="101" name="TextShape 1"/>
+          <p:cNvPr id="100" name="TextShape 1"/>
           <p:cNvSpPr txBox="1"/>
           <p:nvPr/>
         </p:nvSpPr>
@@ -4730,15 +4711,15 @@
                 </a:solidFill>
                 <a:latin typeface="Calibri"/>
               </a:rPr>
-              <a:t>Dataset</a:t>
-            </a:r>
-            <a:endParaRPr/>
-          </a:p>
-        </p:txBody>
-      </p:sp>
-      <p:sp>
-        <p:nvSpPr>
-          <p:cNvPr id="102" name="TextShape 2"/>
+              <a:t>Related work</a:t>
+            </a:r>
+            <a:endParaRPr/>
+          </a:p>
+        </p:txBody>
+      </p:sp>
+      <p:sp>
+        <p:nvSpPr>
+          <p:cNvPr id="101" name="TextShape 2"/>
           <p:cNvSpPr txBox="1"/>
           <p:nvPr/>
         </p:nvSpPr>
@@ -4762,90 +4743,40 @@
               <a:buChar char="•"/>
             </a:pPr>
             <a:r>
-              <a:rPr lang="en-US" sz="3200">
+              <a:rPr lang="en-US" sz="2000">
                 <a:solidFill>
                   <a:srgbClr val="000000"/>
                 </a:solidFill>
                 <a:latin typeface="Calibri"/>
               </a:rPr>
-              <a:t>Binary sensor data: </a:t>
-            </a:r>
-            <a:endParaRPr/>
-          </a:p>
-          <a:p>
-            <a:pPr lvl="1">
-              <a:lnSpc>
-                <a:spcPct val="100000"/>
-              </a:lnSpc>
-              <a:buFont typeface="Arial"/>
-              <a:buChar char="–"/>
-            </a:pPr>
-            <a:r>
-              <a:rPr lang="en-US" sz="2800">
+              <a:t>Van Kasteren, T. L. M., Gwenn Englebienne, and Ben JA Kröse. "Human activity recognition from wireless sensor network data: Benchmark and software." </a:t>
+            </a:r>
+            <a:r>
+              <a:rPr i="1" lang="en-US" sz="2000">
                 <a:solidFill>
                   <a:srgbClr val="000000"/>
                 </a:solidFill>
                 <a:latin typeface="Calibri"/>
               </a:rPr>
-              <a:t>Reed switches : doors or cupboards open or closed</a:t>
-            </a:r>
-            <a:endParaRPr/>
-          </a:p>
-          <a:p>
-            <a:pPr lvl="1">
-              <a:lnSpc>
-                <a:spcPct val="100000"/>
-              </a:lnSpc>
-              <a:buFont typeface="Arial"/>
-              <a:buChar char="–"/>
-            </a:pPr>
-            <a:r>
-              <a:rPr lang="en-US" sz="2800">
+              <a:t>Activity recognition in pervasive intelligent environments</a:t>
+            </a:r>
+            <a:r>
+              <a:rPr lang="en-US" sz="2000">
                 <a:solidFill>
                   <a:srgbClr val="000000"/>
                 </a:solidFill>
                 <a:latin typeface="Calibri"/>
               </a:rPr>
-              <a:t>Pressure mats : lying on bed or couch</a:t>
-            </a:r>
-            <a:endParaRPr/>
-          </a:p>
-          <a:p>
-            <a:pPr lvl="1">
-              <a:lnSpc>
-                <a:spcPct val="100000"/>
-              </a:lnSpc>
-              <a:buFont typeface="Arial"/>
-              <a:buChar char="–"/>
-            </a:pPr>
-            <a:r>
-              <a:rPr lang="en-US" sz="2800">
-                <a:solidFill>
-                  <a:srgbClr val="000000"/>
-                </a:solidFill>
-                <a:latin typeface="Calibri"/>
-              </a:rPr>
-              <a:t>Passive infrared: Detect motion in specific area</a:t>
-            </a:r>
-            <a:endParaRPr/>
-          </a:p>
-          <a:p>
-            <a:pPr lvl="1">
-              <a:lnSpc>
-                <a:spcPct val="100000"/>
-              </a:lnSpc>
-              <a:buFont typeface="Arial"/>
-              <a:buChar char="–"/>
-            </a:pPr>
-            <a:r>
-              <a:rPr lang="en-US" sz="2800">
-                <a:solidFill>
-                  <a:srgbClr val="000000"/>
-                </a:solidFill>
-                <a:latin typeface="Calibri"/>
-              </a:rPr>
-              <a:t>Float sensors: toilet being flushed</a:t>
-            </a:r>
+              <a:t>. Atlantis Press, 2011. 165-186</a:t>
+            </a:r>
+            <a:endParaRPr/>
+          </a:p>
+          <a:p>
+            <a:pPr>
+              <a:lnSpc>
+                <a:spcPct val="100000"/>
+              </a:lnSpc>
+            </a:pPr>
             <a:endParaRPr/>
           </a:p>
           <a:p>
@@ -4857,52 +4788,40 @@
               <a:buChar char="•"/>
             </a:pPr>
             <a:r>
-              <a:rPr lang="en-US" sz="3200">
+              <a:rPr lang="en-US" sz="2000">
                 <a:solidFill>
                   <a:srgbClr val="000000"/>
                 </a:solidFill>
                 <a:latin typeface="Calibri"/>
               </a:rPr>
-              <a:t>Labels: </a:t>
-            </a:r>
-            <a:endParaRPr/>
-          </a:p>
-          <a:p>
-            <a:pPr lvl="1">
-              <a:lnSpc>
-                <a:spcPct val="100000"/>
-              </a:lnSpc>
-              <a:buFont typeface="Arial"/>
-              <a:buChar char="–"/>
-            </a:pPr>
-            <a:r>
-              <a:rPr lang="en-US" sz="2800">
+              <a:t>Tapia, Emmanuel Munguia, Stephen S. Intille, and Kent Larson. </a:t>
+            </a:r>
+            <a:r>
+              <a:rPr i="1" lang="en-US" sz="2000">
                 <a:solidFill>
                   <a:srgbClr val="000000"/>
                 </a:solidFill>
                 <a:latin typeface="Calibri"/>
               </a:rPr>
-              <a:t>Handwritten diary </a:t>
-            </a:r>
-            <a:endParaRPr/>
-          </a:p>
-          <a:p>
-            <a:pPr lvl="1">
-              <a:lnSpc>
-                <a:spcPct val="100000"/>
-              </a:lnSpc>
-              <a:buFont typeface="Arial"/>
-              <a:buChar char="–"/>
-            </a:pPr>
-            <a:r>
-              <a:rPr lang="en-US" sz="2800">
+              <a:t>Activity recognition in the home using simple and ubiquitous sensors</a:t>
+            </a:r>
+            <a:r>
+              <a:rPr lang="en-US" sz="2000">
                 <a:solidFill>
                   <a:srgbClr val="000000"/>
                 </a:solidFill>
                 <a:latin typeface="Calibri"/>
               </a:rPr>
-              <a:t>Bluetooth diary</a:t>
-            </a:r>
+              <a:t>. Springer Berlin Heidelberg, 2004.</a:t>
+            </a:r>
+            <a:endParaRPr/>
+          </a:p>
+          <a:p>
+            <a:pPr>
+              <a:lnSpc>
+                <a:spcPct val="100000"/>
+              </a:lnSpc>
+            </a:pPr>
             <a:endParaRPr/>
           </a:p>
         </p:txBody>
@@ -4958,7 +4877,7 @@
       </p:grpSpPr>
       <p:sp>
         <p:nvSpPr>
-          <p:cNvPr id="103" name="TextShape 1"/>
+          <p:cNvPr id="102" name="TextShape 1"/>
           <p:cNvSpPr txBox="1"/>
           <p:nvPr/>
         </p:nvSpPr>
@@ -4986,15 +4905,15 @@
                 </a:solidFill>
                 <a:latin typeface="Calibri"/>
               </a:rPr>
-              <a:t>Related work</a:t>
-            </a:r>
-            <a:endParaRPr/>
-          </a:p>
-        </p:txBody>
-      </p:sp>
-      <p:sp>
-        <p:nvSpPr>
-          <p:cNvPr id="104" name="TextShape 2"/>
+              <a:t>Methods</a:t>
+            </a:r>
+            <a:endParaRPr/>
+          </a:p>
+        </p:txBody>
+      </p:sp>
+      <p:sp>
+        <p:nvSpPr>
+          <p:cNvPr id="103" name="TextShape 2"/>
           <p:cNvSpPr txBox="1"/>
           <p:nvPr/>
         </p:nvSpPr>
@@ -5018,40 +4937,14 @@
               <a:buChar char="•"/>
             </a:pPr>
             <a:r>
-              <a:rPr lang="en-US" sz="2000">
+              <a:rPr lang="en-US" sz="3200">
                 <a:solidFill>
                   <a:srgbClr val="000000"/>
                 </a:solidFill>
                 <a:latin typeface="Calibri"/>
               </a:rPr>
-              <a:t>Van Kasteren, T. L. M., Gwenn Englebienne, and Ben JA Kröse. "Human activity recognition from wireless sensor network data: Benchmark and software." </a:t>
-            </a:r>
-            <a:r>
-              <a:rPr i="1" lang="en-US" sz="2000">
-                <a:solidFill>
-                  <a:srgbClr val="000000"/>
-                </a:solidFill>
-                <a:latin typeface="Calibri"/>
-              </a:rPr>
-              <a:t>Activity recognition in pervasive intelligent environments</a:t>
-            </a:r>
-            <a:r>
-              <a:rPr lang="en-US" sz="2000">
-                <a:solidFill>
-                  <a:srgbClr val="000000"/>
-                </a:solidFill>
-                <a:latin typeface="Calibri"/>
-              </a:rPr>
-              <a:t>. Atlantis Press, 2011. 165-186</a:t>
-            </a:r>
-            <a:endParaRPr/>
-          </a:p>
-          <a:p>
-            <a:pPr>
-              <a:lnSpc>
-                <a:spcPct val="100000"/>
-              </a:lnSpc>
-            </a:pPr>
+              <a:t>Naïve Bayes</a:t>
+            </a:r>
             <a:endParaRPr/>
           </a:p>
           <a:p>
@@ -5063,32 +4956,130 @@
               <a:buChar char="•"/>
             </a:pPr>
             <a:r>
-              <a:rPr lang="en-US" sz="2000">
+              <a:rPr lang="en-US" sz="3200">
                 <a:solidFill>
                   <a:srgbClr val="000000"/>
                 </a:solidFill>
                 <a:latin typeface="Calibri"/>
               </a:rPr>
-              <a:t>Tapia, Emmanuel Munguia, Stephen S. Intille, and Kent Larson. </a:t>
-            </a:r>
-            <a:r>
-              <a:rPr i="1" lang="en-US" sz="2000">
+              <a:t>SVM</a:t>
+            </a:r>
+            <a:endParaRPr/>
+          </a:p>
+          <a:p>
+            <a:pPr>
+              <a:lnSpc>
+                <a:spcPct val="100000"/>
+              </a:lnSpc>
+              <a:buFont typeface="Arial"/>
+              <a:buChar char="•"/>
+            </a:pPr>
+            <a:r>
+              <a:rPr lang="en-US" sz="3200">
                 <a:solidFill>
                   <a:srgbClr val="000000"/>
                 </a:solidFill>
                 <a:latin typeface="Calibri"/>
               </a:rPr>
-              <a:t>Activity recognition in the home using simple and ubiquitous sensors</a:t>
-            </a:r>
-            <a:r>
-              <a:rPr lang="en-US" sz="2000">
+              <a:t>HMM</a:t>
+            </a:r>
+            <a:endParaRPr/>
+          </a:p>
+          <a:p>
+            <a:pPr lvl="1">
+              <a:buSzPct val="75000"/>
+              <a:buFont typeface="StarSymbol"/>
+              <a:buChar char=""/>
+            </a:pPr>
+            <a:r>
+              <a:rPr lang="en-US" sz="3200">
                 <a:solidFill>
                   <a:srgbClr val="000000"/>
                 </a:solidFill>
                 <a:latin typeface="Calibri"/>
               </a:rPr>
-              <a:t>. Springer Berlin Heidelberg, 2004.</a:t>
-            </a:r>
+              <a:t>Generative probabilistic model</a:t>
+            </a:r>
+            <a:endParaRPr/>
+          </a:p>
+          <a:p>
+            <a:pPr>
+              <a:lnSpc>
+                <a:spcPct val="100000"/>
+              </a:lnSpc>
+              <a:buFont typeface="Arial"/>
+              <a:buChar char="•"/>
+            </a:pPr>
+            <a:r>
+              <a:rPr lang="en-US" sz="3200">
+                <a:solidFill>
+                  <a:srgbClr val="000000"/>
+                </a:solidFill>
+                <a:latin typeface="Calibri"/>
+              </a:rPr>
+              <a:t>CRF</a:t>
+            </a:r>
+            <a:endParaRPr/>
+          </a:p>
+          <a:p>
+            <a:pPr lvl="1">
+              <a:buSzPct val="75000"/>
+              <a:buFont typeface="StarSymbol"/>
+              <a:buChar char=""/>
+            </a:pPr>
+            <a:r>
+              <a:rPr lang="en-US" sz="3200">
+                <a:solidFill>
+                  <a:srgbClr val="000000"/>
+                </a:solidFill>
+                <a:latin typeface="Calibri"/>
+              </a:rPr>
+              <a:t>Discriminative probabilistic model</a:t>
+            </a:r>
+            <a:endParaRPr/>
+          </a:p>
+          <a:p>
+            <a:pPr>
+              <a:lnSpc>
+                <a:spcPct val="100000"/>
+              </a:lnSpc>
+              <a:buFont typeface="Arial"/>
+              <a:buChar char="•"/>
+            </a:pPr>
+            <a:r>
+              <a:rPr lang="en-US" sz="3200">
+                <a:solidFill>
+                  <a:srgbClr val="000000"/>
+                </a:solidFill>
+                <a:latin typeface="Calibri"/>
+              </a:rPr>
+              <a:t>Structured SVM</a:t>
+            </a:r>
+            <a:endParaRPr/>
+          </a:p>
+          <a:p>
+            <a:pPr lvl="1">
+              <a:buSzPct val="75000"/>
+              <a:buFont typeface="StarSymbol"/>
+              <a:buChar char=""/>
+            </a:pPr>
+            <a:r>
+              <a:rPr lang="en-US" sz="3200">
+                <a:solidFill>
+                  <a:srgbClr val="000000"/>
+                </a:solidFill>
+                <a:latin typeface="Calibri"/>
+              </a:rPr>
+              <a:t>Allows training of a classifier for general structured output labels</a:t>
+            </a:r>
+            <a:endParaRPr/>
+          </a:p>
+          <a:p>
+            <a:pPr>
+              <a:lnSpc>
+                <a:spcPct val="100000"/>
+              </a:lnSpc>
+            </a:pPr>
             <a:endParaRPr/>
           </a:p>
           <a:p>
@@ -5152,7 +5143,7 @@
       </p:grpSpPr>
       <p:sp>
         <p:nvSpPr>
-          <p:cNvPr id="105" name="TextShape 1"/>
+          <p:cNvPr id="104" name="TextShape 1"/>
           <p:cNvSpPr txBox="1"/>
           <p:nvPr/>
         </p:nvSpPr>
@@ -5180,15 +5171,15 @@
                 </a:solidFill>
                 <a:latin typeface="Calibri"/>
               </a:rPr>
-              <a:t>Methods</a:t>
-            </a:r>
-            <a:endParaRPr/>
-          </a:p>
-        </p:txBody>
-      </p:sp>
-      <p:sp>
-        <p:nvSpPr>
-          <p:cNvPr id="106" name="TextShape 2"/>
+              <a:t>Evaluation Design</a:t>
+            </a:r>
+            <a:endParaRPr/>
+          </a:p>
+        </p:txBody>
+      </p:sp>
+      <p:sp>
+        <p:nvSpPr>
+          <p:cNvPr id="105" name="TextShape 2"/>
           <p:cNvSpPr txBox="1"/>
           <p:nvPr/>
         </p:nvSpPr>
@@ -5218,7 +5209,64 @@
                 </a:solidFill>
                 <a:latin typeface="Calibri"/>
               </a:rPr>
-              <a:t>Naïve Bayes</a:t>
+              <a:t>Feature representations</a:t>
+            </a:r>
+            <a:endParaRPr/>
+          </a:p>
+          <a:p>
+            <a:pPr lvl="1">
+              <a:lnSpc>
+                <a:spcPct val="100000"/>
+              </a:lnSpc>
+              <a:buFont typeface="Arial"/>
+              <a:buChar char="–"/>
+            </a:pPr>
+            <a:r>
+              <a:rPr lang="en-US" sz="2800">
+                <a:solidFill>
+                  <a:srgbClr val="000000"/>
+                </a:solidFill>
+                <a:latin typeface="Calibri"/>
+              </a:rPr>
+              <a:t>Raw</a:t>
+            </a:r>
+            <a:endParaRPr/>
+          </a:p>
+          <a:p>
+            <a:pPr lvl="1">
+              <a:lnSpc>
+                <a:spcPct val="100000"/>
+              </a:lnSpc>
+              <a:buFont typeface="Arial"/>
+              <a:buChar char="–"/>
+            </a:pPr>
+            <a:r>
+              <a:rPr lang="en-US" sz="2800">
+                <a:solidFill>
+                  <a:srgbClr val="000000"/>
+                </a:solidFill>
+                <a:latin typeface="Calibri"/>
+              </a:rPr>
+              <a:t>Change</a:t>
+            </a:r>
+            <a:endParaRPr/>
+          </a:p>
+          <a:p>
+            <a:pPr lvl="1">
+              <a:lnSpc>
+                <a:spcPct val="100000"/>
+              </a:lnSpc>
+              <a:buFont typeface="Arial"/>
+              <a:buChar char="–"/>
+            </a:pPr>
+            <a:r>
+              <a:rPr lang="en-US" sz="2800">
+                <a:solidFill>
+                  <a:srgbClr val="000000"/>
+                </a:solidFill>
+                <a:latin typeface="Calibri"/>
+              </a:rPr>
+              <a:t>Last</a:t>
             </a:r>
             <a:endParaRPr/>
           </a:p>
@@ -5237,7 +5285,7 @@
                 </a:solidFill>
                 <a:latin typeface="Calibri"/>
               </a:rPr>
-              <a:t>SVM</a:t>
+              <a:t>5 fold – cross validation</a:t>
             </a:r>
             <a:endParaRPr/>
           </a:p>
@@ -5256,24 +5304,7 @@
                 </a:solidFill>
                 <a:latin typeface="Calibri"/>
               </a:rPr>
-              <a:t>HMM</a:t>
-            </a:r>
-            <a:endParaRPr/>
-          </a:p>
-          <a:p>
-            <a:pPr lvl="1">
-              <a:buSzPct val="75000"/>
-              <a:buFont typeface="StarSymbol"/>
-              <a:buChar char=""/>
-            </a:pPr>
-            <a:r>
-              <a:rPr lang="en-US" sz="3200">
-                <a:solidFill>
-                  <a:srgbClr val="000000"/>
-                </a:solidFill>
-                <a:latin typeface="Calibri"/>
-              </a:rPr>
-              <a:t>Generative probabilistic model</a:t>
+              <a:t>Divide the dataset into smaller subsequences of ~2 hours </a:t>
             </a:r>
             <a:endParaRPr/>
           </a:p>
@@ -5282,91 +5313,36 @@
               <a:lnSpc>
                 <a:spcPct val="100000"/>
               </a:lnSpc>
-              <a:buFont typeface="Arial"/>
-              <a:buChar char="•"/>
-            </a:pPr>
-            <a:r>
-              <a:rPr lang="en-US" sz="3200">
-                <a:solidFill>
-                  <a:srgbClr val="000000"/>
-                </a:solidFill>
-                <a:latin typeface="Calibri"/>
-              </a:rPr>
-              <a:t>CRF</a:t>
-            </a:r>
-            <a:endParaRPr/>
-          </a:p>
-          <a:p>
-            <a:pPr lvl="1">
-              <a:buSzPct val="75000"/>
-              <a:buFont typeface="StarSymbol"/>
-              <a:buChar char=""/>
-            </a:pPr>
-            <a:r>
-              <a:rPr lang="en-US" sz="3200">
-                <a:solidFill>
-                  <a:srgbClr val="000000"/>
-                </a:solidFill>
-                <a:latin typeface="Calibri"/>
-              </a:rPr>
-              <a:t>Discriminative probabilistic model</a:t>
-            </a:r>
-            <a:endParaRPr/>
-          </a:p>
-          <a:p>
-            <a:pPr>
-              <a:lnSpc>
-                <a:spcPct val="100000"/>
-              </a:lnSpc>
-              <a:buFont typeface="Arial"/>
-              <a:buChar char="•"/>
-            </a:pPr>
-            <a:r>
-              <a:rPr lang="en-US" sz="3200">
-                <a:solidFill>
-                  <a:srgbClr val="000000"/>
-                </a:solidFill>
-                <a:latin typeface="Calibri"/>
-              </a:rPr>
-              <a:t>Structured SVM</a:t>
-            </a:r>
-            <a:endParaRPr/>
-          </a:p>
-          <a:p>
-            <a:pPr lvl="1">
-              <a:buSzPct val="75000"/>
-              <a:buFont typeface="StarSymbol"/>
-              <a:buChar char=""/>
-            </a:pPr>
-            <a:r>
-              <a:rPr lang="en-US" sz="3200">
-                <a:solidFill>
-                  <a:srgbClr val="000000"/>
-                </a:solidFill>
-                <a:latin typeface="Calibri"/>
-              </a:rPr>
-              <a:t>Allows training of a classifier for general structured output labels</a:t>
-            </a:r>
-            <a:endParaRPr/>
-          </a:p>
-          <a:p>
-            <a:pPr>
-              <a:lnSpc>
-                <a:spcPct val="100000"/>
-              </a:lnSpc>
-            </a:pPr>
-            <a:endParaRPr/>
-          </a:p>
-          <a:p>
-            <a:pPr>
-              <a:lnSpc>
-                <a:spcPct val="100000"/>
-              </a:lnSpc>
-            </a:pPr>
-            <a:endParaRPr/>
-          </a:p>
-        </p:txBody>
-      </p:sp>
+            </a:pPr>
+            <a:endParaRPr/>
+          </a:p>
+        </p:txBody>
+      </p:sp>
+      <p:pic>
+        <p:nvPicPr>
+          <p:cNvPr id="106" name="" descr=""/>
+          <p:cNvPicPr/>
+          <p:nvPr/>
+        </p:nvPicPr>
+        <p:blipFill>
+          <a:blip r:embed="rId1"/>
+          <a:stretch>
+            <a:fillRect/>
+          </a:stretch>
+        </p:blipFill>
+        <p:spPr>
+          <a:xfrm>
+            <a:off x="5852160" y="2103120"/>
+            <a:ext cx="2286000" cy="1645920"/>
+          </a:xfrm>
+          <a:prstGeom prst="rect">
+            <a:avLst/>
+          </a:prstGeom>
+          <a:ln>
+            <a:noFill/>
+          </a:ln>
+        </p:spPr>
+      </p:pic>
     </p:spTree>
   </p:cSld>
   <p:timing>
@@ -5446,156 +5422,15 @@
                 </a:solidFill>
                 <a:latin typeface="Calibri"/>
               </a:rPr>
-              <a:t>Evaluation Design</a:t>
-            </a:r>
-            <a:endParaRPr/>
-          </a:p>
-        </p:txBody>
-      </p:sp>
-      <p:sp>
-        <p:nvSpPr>
-          <p:cNvPr id="108" name="TextShape 2"/>
-          <p:cNvSpPr txBox="1"/>
-          <p:nvPr/>
-        </p:nvSpPr>
-        <p:spPr>
-          <a:xfrm>
-            <a:off x="457200" y="1600200"/>
-            <a:ext cx="8229240" cy="4525560"/>
-          </a:xfrm>
-          <a:prstGeom prst="rect">
-            <a:avLst/>
-          </a:prstGeom>
-        </p:spPr>
-        <p:txBody>
-          <a:bodyPr/>
-          <a:p>
-            <a:pPr>
-              <a:lnSpc>
-                <a:spcPct val="100000"/>
-              </a:lnSpc>
-              <a:buFont typeface="Arial"/>
-              <a:buChar char="•"/>
-            </a:pPr>
-            <a:r>
-              <a:rPr lang="en-US" sz="3200">
-                <a:solidFill>
-                  <a:srgbClr val="000000"/>
-                </a:solidFill>
-                <a:latin typeface="Calibri"/>
-              </a:rPr>
-              <a:t>Feature representations</a:t>
-            </a:r>
-            <a:endParaRPr/>
-          </a:p>
-          <a:p>
-            <a:pPr lvl="1">
-              <a:lnSpc>
-                <a:spcPct val="100000"/>
-              </a:lnSpc>
-              <a:buFont typeface="Arial"/>
-              <a:buChar char="–"/>
-            </a:pPr>
-            <a:r>
-              <a:rPr lang="en-US" sz="2800">
-                <a:solidFill>
-                  <a:srgbClr val="000000"/>
-                </a:solidFill>
-                <a:latin typeface="Calibri"/>
-              </a:rPr>
-              <a:t>Raw</a:t>
-            </a:r>
-            <a:endParaRPr/>
-          </a:p>
-          <a:p>
-            <a:pPr lvl="1">
-              <a:lnSpc>
-                <a:spcPct val="100000"/>
-              </a:lnSpc>
-              <a:buFont typeface="Arial"/>
-              <a:buChar char="–"/>
-            </a:pPr>
-            <a:r>
-              <a:rPr lang="en-US" sz="2800">
-                <a:solidFill>
-                  <a:srgbClr val="000000"/>
-                </a:solidFill>
-                <a:latin typeface="Calibri"/>
-              </a:rPr>
-              <a:t>Change</a:t>
-            </a:r>
-            <a:endParaRPr/>
-          </a:p>
-          <a:p>
-            <a:pPr lvl="1">
-              <a:lnSpc>
-                <a:spcPct val="100000"/>
-              </a:lnSpc>
-              <a:buFont typeface="Arial"/>
-              <a:buChar char="–"/>
-            </a:pPr>
-            <a:r>
-              <a:rPr lang="en-US" sz="2800">
-                <a:solidFill>
-                  <a:srgbClr val="000000"/>
-                </a:solidFill>
-                <a:latin typeface="Calibri"/>
-              </a:rPr>
-              <a:t>Last</a:t>
-            </a:r>
-            <a:endParaRPr/>
-          </a:p>
-          <a:p>
-            <a:pPr>
-              <a:lnSpc>
-                <a:spcPct val="100000"/>
-              </a:lnSpc>
-              <a:buFont typeface="Arial"/>
-              <a:buChar char="•"/>
-            </a:pPr>
-            <a:r>
-              <a:rPr lang="en-US" sz="3200">
-                <a:solidFill>
-                  <a:srgbClr val="000000"/>
-                </a:solidFill>
-                <a:latin typeface="Calibri"/>
-              </a:rPr>
-              <a:t>5 fold – cross validation</a:t>
-            </a:r>
-            <a:endParaRPr/>
-          </a:p>
-          <a:p>
-            <a:pPr>
-              <a:lnSpc>
-                <a:spcPct val="100000"/>
-              </a:lnSpc>
-              <a:buFont typeface="Arial"/>
-              <a:buChar char="•"/>
-            </a:pPr>
-            <a:r>
-              <a:rPr lang="en-US" sz="3200">
-                <a:solidFill>
-                  <a:srgbClr val="000000"/>
-                </a:solidFill>
-                <a:latin typeface="Calibri"/>
-              </a:rPr>
-              <a:t>Divide the dataset into smaller subsequences of ~2 hours </a:t>
-            </a:r>
-            <a:endParaRPr/>
-          </a:p>
-          <a:p>
-            <a:pPr>
-              <a:lnSpc>
-                <a:spcPct val="100000"/>
-              </a:lnSpc>
-            </a:pPr>
+              <a:t>Comparison: House A</a:t>
+            </a:r>
             <a:endParaRPr/>
           </a:p>
         </p:txBody>
       </p:sp>
       <p:pic>
         <p:nvPicPr>
-          <p:cNvPr id="109" name="" descr=""/>
+          <p:cNvPr id="108" name="Picture 5" descr=""/>
           <p:cNvPicPr/>
           <p:nvPr/>
         </p:nvPicPr>
@@ -5607,8 +5442,8 @@
         </p:blipFill>
         <p:spPr>
           <a:xfrm>
-            <a:off x="5852160" y="2103120"/>
-            <a:ext cx="2286000" cy="1645920"/>
+            <a:off x="1911600" y="1417680"/>
+            <a:ext cx="5453640" cy="4746600"/>
           </a:xfrm>
           <a:prstGeom prst="rect">
             <a:avLst/>
